--- a/Document/presentation/nam/7 wear.pptx
+++ b/Document/presentation/nam/7 wear.pptx
@@ -120,7 +120,18 @@
   </p:defaultTextStyle>
   <p:extLst>
     <p:ext uri="{EFAFB233-063F-42B5-8137-9DF3F51BA10A}">
-      <p15:sldGuideLst xmlns:p15="http://schemas.microsoft.com/office/powerpoint/2012/main" xmlns=""/>
+      <p15:sldGuideLst xmlns:p15="http://schemas.microsoft.com/office/powerpoint/2012/main">
+        <p15:guide id="1" orient="horz" pos="2160">
+          <p15:clr>
+            <a:srgbClr val="A4A3A4"/>
+          </p15:clr>
+        </p15:guide>
+        <p15:guide id="2" pos="2880">
+          <p15:clr>
+            <a:srgbClr val="A4A3A4"/>
+          </p15:clr>
+        </p15:guide>
+      </p15:sldGuideLst>
     </p:ext>
   </p:extLst>
 </p:presentation>
@@ -208,7 +219,7 @@
           <a:p>
             <a:fld id="{E6892A0F-7C57-3346-8BD8-BD37E7DB7057}" type="datetimeFigureOut">
               <a:rPr lang="en-US" smtClean="0"/>
-              <a:t>12/12/2015</a:t>
+              <a:t>12/14/15</a:t>
             </a:fld>
             <a:endParaRPr lang="en-US"/>
           </a:p>
@@ -1745,7 +1756,7 @@
           <a:p>
             <a:fld id="{94B1E4EC-92D8-4A33-94B0-5CDDBDDA3BE9}" type="datetimeFigureOut">
               <a:rPr lang="en-US" smtClean="0"/>
-              <a:t>12/12/2015</a:t>
+              <a:t>12/14/15</a:t>
             </a:fld>
             <a:endParaRPr lang="en-US"/>
           </a:p>
@@ -1915,7 +1926,7 @@
           <a:p>
             <a:fld id="{94B1E4EC-92D8-4A33-94B0-5CDDBDDA3BE9}" type="datetimeFigureOut">
               <a:rPr lang="en-US" smtClean="0"/>
-              <a:t>12/12/2015</a:t>
+              <a:t>12/14/15</a:t>
             </a:fld>
             <a:endParaRPr lang="en-US"/>
           </a:p>
@@ -2095,7 +2106,7 @@
           <a:p>
             <a:fld id="{94B1E4EC-92D8-4A33-94B0-5CDDBDDA3BE9}" type="datetimeFigureOut">
               <a:rPr lang="en-US" smtClean="0"/>
-              <a:t>12/12/2015</a:t>
+              <a:t>12/14/15</a:t>
             </a:fld>
             <a:endParaRPr lang="en-US"/>
           </a:p>
@@ -2560,7 +2571,7 @@
           <a:p>
             <a:fld id="{94B1E4EC-92D8-4A33-94B0-5CDDBDDA3BE9}" type="datetimeFigureOut">
               <a:rPr lang="en-US" smtClean="0"/>
-              <a:t>12/12/2015</a:t>
+              <a:t>12/14/15</a:t>
             </a:fld>
             <a:endParaRPr lang="en-US"/>
           </a:p>
@@ -2804,7 +2815,7 @@
           <a:p>
             <a:fld id="{94B1E4EC-92D8-4A33-94B0-5CDDBDDA3BE9}" type="datetimeFigureOut">
               <a:rPr lang="en-US" smtClean="0"/>
-              <a:t>12/12/2015</a:t>
+              <a:t>12/14/15</a:t>
             </a:fld>
             <a:endParaRPr lang="en-US"/>
           </a:p>
@@ -3036,7 +3047,7 @@
           <a:p>
             <a:fld id="{94B1E4EC-92D8-4A33-94B0-5CDDBDDA3BE9}" type="datetimeFigureOut">
               <a:rPr lang="en-US" smtClean="0"/>
-              <a:t>12/12/2015</a:t>
+              <a:t>12/14/15</a:t>
             </a:fld>
             <a:endParaRPr lang="en-US"/>
           </a:p>
@@ -3403,7 +3414,7 @@
           <a:p>
             <a:fld id="{94B1E4EC-92D8-4A33-94B0-5CDDBDDA3BE9}" type="datetimeFigureOut">
               <a:rPr lang="en-US" smtClean="0"/>
-              <a:t>12/12/2015</a:t>
+              <a:t>12/14/15</a:t>
             </a:fld>
             <a:endParaRPr lang="en-US"/>
           </a:p>
@@ -3521,7 +3532,7 @@
           <a:p>
             <a:fld id="{94B1E4EC-92D8-4A33-94B0-5CDDBDDA3BE9}" type="datetimeFigureOut">
               <a:rPr lang="en-US" smtClean="0"/>
-              <a:t>12/12/2015</a:t>
+              <a:t>12/14/15</a:t>
             </a:fld>
             <a:endParaRPr lang="en-US"/>
           </a:p>
@@ -3616,7 +3627,7 @@
           <a:p>
             <a:fld id="{94B1E4EC-92D8-4A33-94B0-5CDDBDDA3BE9}" type="datetimeFigureOut">
               <a:rPr lang="en-US" smtClean="0"/>
-              <a:t>12/12/2015</a:t>
+              <a:t>12/14/15</a:t>
             </a:fld>
             <a:endParaRPr lang="en-US"/>
           </a:p>
@@ -3893,7 +3904,7 @@
           <a:p>
             <a:fld id="{94B1E4EC-92D8-4A33-94B0-5CDDBDDA3BE9}" type="datetimeFigureOut">
               <a:rPr lang="en-US" smtClean="0"/>
-              <a:t>12/12/2015</a:t>
+              <a:t>12/14/15</a:t>
             </a:fld>
             <a:endParaRPr lang="en-US"/>
           </a:p>
@@ -4150,7 +4161,7 @@
           <a:p>
             <a:fld id="{94B1E4EC-92D8-4A33-94B0-5CDDBDDA3BE9}" type="datetimeFigureOut">
               <a:rPr lang="en-US" smtClean="0"/>
-              <a:t>12/12/2015</a:t>
+              <a:t>12/14/15</a:t>
             </a:fld>
             <a:endParaRPr lang="en-US"/>
           </a:p>
@@ -4363,7 +4374,7 @@
           <a:p>
             <a:fld id="{94B1E4EC-92D8-4A33-94B0-5CDDBDDA3BE9}" type="datetimeFigureOut">
               <a:rPr lang="en-US" smtClean="0"/>
-              <a:t>12/12/2015</a:t>
+              <a:t>12/14/15</a:t>
             </a:fld>
             <a:endParaRPr lang="en-US"/>
           </a:p>
@@ -5413,9 +5424,6 @@
               </a:rPr>
               <a:t>Data API</a:t>
             </a:r>
-            <a:endParaRPr lang="en-US" sz="2400" dirty="0">
-              <a:latin typeface="Cambria" pitchFamily="18" charset="0"/>
-            </a:endParaRPr>
           </a:p>
         </p:txBody>
       </p:sp>
@@ -5497,12 +5505,76 @@
               </a:rPr>
               <a:t>2</a:t>
             </a:r>
-            <a:endParaRPr lang="en-US" sz="2400" b="1" dirty="0">
-              <a:latin typeface="Cambria" pitchFamily="18" charset="0"/>
+          </a:p>
+        </p:txBody>
+      </p:sp>
+      <p:sp>
+        <p:nvSpPr>
+          <p:cNvPr id="14" name="TextBox 13"/>
+          <p:cNvSpPr txBox="1"/>
+          <p:nvPr/>
+        </p:nvSpPr>
+        <p:spPr>
+          <a:xfrm>
+            <a:off x="6336881" y="5090299"/>
+            <a:ext cx="1714700" cy="400110"/>
+          </a:xfrm>
+          <a:prstGeom prst="rect">
+            <a:avLst/>
+          </a:prstGeom>
+          <a:noFill/>
+        </p:spPr>
+        <p:txBody>
+          <a:bodyPr wrap="none" rtlCol="0">
+            <a:spAutoFit/>
+          </a:bodyPr>
+          <a:lstStyle/>
+          <a:p>
+            <a:r>
+              <a:rPr lang="en-US" sz="2000" dirty="0" smtClean="0">
+                <a:latin typeface="Cambria" charset="0"/>
+                <a:ea typeface="Cambria" charset="0"/>
+                <a:cs typeface="Cambria" charset="0"/>
+              </a:rPr>
+              <a:t>Android Wear</a:t>
+            </a:r>
+            <a:endParaRPr lang="en-US" sz="2000" dirty="0">
+              <a:latin typeface="Cambria" charset="0"/>
+              <a:ea typeface="Cambria" charset="0"/>
+              <a:cs typeface="Cambria" charset="0"/>
             </a:endParaRPr>
           </a:p>
         </p:txBody>
       </p:sp>
+      <p:pic>
+        <p:nvPicPr>
+          <p:cNvPr id="15" name="Picture 14"/>
+          <p:cNvPicPr>
+            <a:picLocks noChangeAspect="1"/>
+          </p:cNvPicPr>
+          <p:nvPr/>
+        </p:nvPicPr>
+        <p:blipFill rotWithShape="1">
+          <a:blip r:embed="rId4">
+            <a:extLst>
+              <a:ext uri="{28A0092B-C50C-407E-A947-70E740481C1C}">
+                <a14:useLocalDpi xmlns:a14="http://schemas.microsoft.com/office/drawing/2010/main" val="0"/>
+              </a:ext>
+            </a:extLst>
+          </a:blip>
+          <a:srcRect l="12442" t="83042" r="78378"/>
+          <a:stretch/>
+        </p:blipFill>
+        <p:spPr>
+          <a:xfrm>
+            <a:off x="5837595" y="4831768"/>
+            <a:ext cx="564414" cy="958249"/>
+          </a:xfrm>
+          <a:prstGeom prst="rect">
+            <a:avLst/>
+          </a:prstGeom>
+        </p:spPr>
+      </p:pic>
     </p:spTree>
     <p:extLst>
       <p:ext uri="{BB962C8B-B14F-4D97-AF65-F5344CB8AC3E}">
@@ -5959,9 +6031,6 @@
               </a:rPr>
               <a:t>Data API</a:t>
             </a:r>
-            <a:endParaRPr lang="en-US" sz="2400" dirty="0">
-              <a:latin typeface="Cambria" pitchFamily="18" charset="0"/>
-            </a:endParaRPr>
           </a:p>
         </p:txBody>
       </p:sp>
@@ -6043,9 +6112,6 @@
               </a:rPr>
               <a:t>2</a:t>
             </a:r>
-            <a:endParaRPr lang="en-US" sz="2400" b="1" dirty="0">
-              <a:latin typeface="Cambria" pitchFamily="18" charset="0"/>
-            </a:endParaRPr>
           </a:p>
         </p:txBody>
       </p:sp>
@@ -6224,12 +6290,76 @@
               </a:rPr>
               <a:t>3</a:t>
             </a:r>
-            <a:endParaRPr lang="en-US" sz="2400" b="1" dirty="0">
-              <a:latin typeface="Cambria" pitchFamily="18" charset="0"/>
+          </a:p>
+        </p:txBody>
+      </p:sp>
+      <p:sp>
+        <p:nvSpPr>
+          <p:cNvPr id="20" name="TextBox 19"/>
+          <p:cNvSpPr txBox="1"/>
+          <p:nvPr/>
+        </p:nvSpPr>
+        <p:spPr>
+          <a:xfrm>
+            <a:off x="6386260" y="5654889"/>
+            <a:ext cx="1714700" cy="400110"/>
+          </a:xfrm>
+          <a:prstGeom prst="rect">
+            <a:avLst/>
+          </a:prstGeom>
+          <a:noFill/>
+        </p:spPr>
+        <p:txBody>
+          <a:bodyPr wrap="none" rtlCol="0">
+            <a:spAutoFit/>
+          </a:bodyPr>
+          <a:lstStyle/>
+          <a:p>
+            <a:r>
+              <a:rPr lang="en-US" sz="2000" dirty="0" smtClean="0">
+                <a:latin typeface="Cambria" charset="0"/>
+                <a:ea typeface="Cambria" charset="0"/>
+                <a:cs typeface="Cambria" charset="0"/>
+              </a:rPr>
+              <a:t>Android Wear</a:t>
+            </a:r>
+            <a:endParaRPr lang="en-US" sz="2000" dirty="0">
+              <a:latin typeface="Cambria" charset="0"/>
+              <a:ea typeface="Cambria" charset="0"/>
+              <a:cs typeface="Cambria" charset="0"/>
             </a:endParaRPr>
           </a:p>
         </p:txBody>
       </p:sp>
+      <p:pic>
+        <p:nvPicPr>
+          <p:cNvPr id="21" name="Picture 20"/>
+          <p:cNvPicPr>
+            <a:picLocks noChangeAspect="1"/>
+          </p:cNvPicPr>
+          <p:nvPr/>
+        </p:nvPicPr>
+        <p:blipFill rotWithShape="1">
+          <a:blip r:embed="rId4">
+            <a:extLst>
+              <a:ext uri="{28A0092B-C50C-407E-A947-70E740481C1C}">
+                <a14:useLocalDpi xmlns:a14="http://schemas.microsoft.com/office/drawing/2010/main" val="0"/>
+              </a:ext>
+            </a:extLst>
+          </a:blip>
+          <a:srcRect l="12442" t="83042" r="78378"/>
+          <a:stretch/>
+        </p:blipFill>
+        <p:spPr>
+          <a:xfrm>
+            <a:off x="5924877" y="5219617"/>
+            <a:ext cx="564414" cy="958249"/>
+          </a:xfrm>
+          <a:prstGeom prst="rect">
+            <a:avLst/>
+          </a:prstGeom>
+        </p:spPr>
+      </p:pic>
     </p:spTree>
     <p:extLst>
       <p:ext uri="{BB962C8B-B14F-4D97-AF65-F5344CB8AC3E}">
@@ -8050,12 +8180,6 @@
               </a:rPr>
               <a:t>2</a:t>
             </a:r>
-            <a:endParaRPr lang="en-US" sz="2400" b="1" dirty="0">
-              <a:solidFill>
-                <a:srgbClr val="FF0000"/>
-              </a:solidFill>
-              <a:latin typeface="Cambria" pitchFamily="18" charset="0"/>
-            </a:endParaRPr>
           </a:p>
         </p:txBody>
       </p:sp>
@@ -8648,12 +8772,6 @@
               </a:rPr>
               <a:t>2</a:t>
             </a:r>
-            <a:endParaRPr lang="en-US" sz="2400" b="1" dirty="0">
-              <a:solidFill>
-                <a:srgbClr val="FF0000"/>
-              </a:solidFill>
-              <a:latin typeface="Cambria" pitchFamily="18" charset="0"/>
-            </a:endParaRPr>
           </a:p>
         </p:txBody>
       </p:sp>
@@ -9490,7 +9608,7 @@
           <a:lstStyle/>
           <a:p>
             <a:pPr algn="ctr"/>
-            <a:endParaRPr lang="en-US"/>
+            <a:endParaRPr lang="en-US" dirty="0"/>
           </a:p>
         </p:txBody>
       </p:sp>
@@ -9612,6 +9730,73 @@
           </a:p>
         </p:txBody>
       </p:sp>
+      <p:sp>
+        <p:nvSpPr>
+          <p:cNvPr id="5" name="TextBox 4"/>
+          <p:cNvSpPr txBox="1"/>
+          <p:nvPr/>
+        </p:nvSpPr>
+        <p:spPr>
+          <a:xfrm>
+            <a:off x="6336881" y="5090299"/>
+            <a:ext cx="1714700" cy="400110"/>
+          </a:xfrm>
+          <a:prstGeom prst="rect">
+            <a:avLst/>
+          </a:prstGeom>
+          <a:noFill/>
+        </p:spPr>
+        <p:txBody>
+          <a:bodyPr wrap="none" rtlCol="0">
+            <a:spAutoFit/>
+          </a:bodyPr>
+          <a:lstStyle/>
+          <a:p>
+            <a:r>
+              <a:rPr lang="en-US" sz="2000" dirty="0" smtClean="0">
+                <a:latin typeface="Cambria" charset="0"/>
+                <a:ea typeface="Cambria" charset="0"/>
+                <a:cs typeface="Cambria" charset="0"/>
+              </a:rPr>
+              <a:t>Android Wear</a:t>
+            </a:r>
+            <a:endParaRPr lang="en-US" sz="2000" dirty="0">
+              <a:latin typeface="Cambria" charset="0"/>
+              <a:ea typeface="Cambria" charset="0"/>
+              <a:cs typeface="Cambria" charset="0"/>
+            </a:endParaRPr>
+          </a:p>
+        </p:txBody>
+      </p:sp>
+      <p:pic>
+        <p:nvPicPr>
+          <p:cNvPr id="12" name="Picture 11"/>
+          <p:cNvPicPr>
+            <a:picLocks noChangeAspect="1"/>
+          </p:cNvPicPr>
+          <p:nvPr/>
+        </p:nvPicPr>
+        <p:blipFill rotWithShape="1">
+          <a:blip r:embed="rId4">
+            <a:extLst>
+              <a:ext uri="{28A0092B-C50C-407E-A947-70E740481C1C}">
+                <a14:useLocalDpi xmlns:a14="http://schemas.microsoft.com/office/drawing/2010/main" val="0"/>
+              </a:ext>
+            </a:extLst>
+          </a:blip>
+          <a:srcRect l="12442" t="83042" r="78378"/>
+          <a:stretch/>
+        </p:blipFill>
+        <p:spPr>
+          <a:xfrm>
+            <a:off x="5837595" y="4831768"/>
+            <a:ext cx="564414" cy="958249"/>
+          </a:xfrm>
+          <a:prstGeom prst="rect">
+            <a:avLst/>
+          </a:prstGeom>
+        </p:spPr>
+      </p:pic>
     </p:spTree>
     <p:extLst>
       <p:ext uri="{BB962C8B-B14F-4D97-AF65-F5344CB8AC3E}">
@@ -10068,12 +10253,76 @@
               </a:rPr>
               <a:t>Data API</a:t>
             </a:r>
-            <a:endParaRPr lang="en-US" sz="2400" dirty="0">
-              <a:latin typeface="Cambria" pitchFamily="18" charset="0"/>
+          </a:p>
+        </p:txBody>
+      </p:sp>
+      <p:sp>
+        <p:nvSpPr>
+          <p:cNvPr id="15" name="TextBox 14"/>
+          <p:cNvSpPr txBox="1"/>
+          <p:nvPr/>
+        </p:nvSpPr>
+        <p:spPr>
+          <a:xfrm>
+            <a:off x="6336881" y="5090299"/>
+            <a:ext cx="1714700" cy="400110"/>
+          </a:xfrm>
+          <a:prstGeom prst="rect">
+            <a:avLst/>
+          </a:prstGeom>
+          <a:noFill/>
+        </p:spPr>
+        <p:txBody>
+          <a:bodyPr wrap="none" rtlCol="0">
+            <a:spAutoFit/>
+          </a:bodyPr>
+          <a:lstStyle/>
+          <a:p>
+            <a:r>
+              <a:rPr lang="en-US" sz="2000" dirty="0" smtClean="0">
+                <a:latin typeface="Cambria" charset="0"/>
+                <a:ea typeface="Cambria" charset="0"/>
+                <a:cs typeface="Cambria" charset="0"/>
+              </a:rPr>
+              <a:t>Android Wear</a:t>
+            </a:r>
+            <a:endParaRPr lang="en-US" sz="2000" dirty="0">
+              <a:latin typeface="Cambria" charset="0"/>
+              <a:ea typeface="Cambria" charset="0"/>
+              <a:cs typeface="Cambria" charset="0"/>
             </a:endParaRPr>
           </a:p>
         </p:txBody>
       </p:sp>
+      <p:pic>
+        <p:nvPicPr>
+          <p:cNvPr id="16" name="Picture 15"/>
+          <p:cNvPicPr>
+            <a:picLocks noChangeAspect="1"/>
+          </p:cNvPicPr>
+          <p:nvPr/>
+        </p:nvPicPr>
+        <p:blipFill rotWithShape="1">
+          <a:blip r:embed="rId4">
+            <a:extLst>
+              <a:ext uri="{28A0092B-C50C-407E-A947-70E740481C1C}">
+                <a14:useLocalDpi xmlns:a14="http://schemas.microsoft.com/office/drawing/2010/main" val="0"/>
+              </a:ext>
+            </a:extLst>
+          </a:blip>
+          <a:srcRect l="12442" t="83042" r="78378"/>
+          <a:stretch/>
+        </p:blipFill>
+        <p:spPr>
+          <a:xfrm>
+            <a:off x="5837595" y="4831768"/>
+            <a:ext cx="564414" cy="958249"/>
+          </a:xfrm>
+          <a:prstGeom prst="rect">
+            <a:avLst/>
+          </a:prstGeom>
+        </p:spPr>
+      </p:pic>
     </p:spTree>
     <p:extLst>
       <p:ext uri="{BB962C8B-B14F-4D97-AF65-F5344CB8AC3E}">
@@ -10349,7 +10598,7 @@
   <a:extraClrSchemeLst/>
   <a:extLst>
     <a:ext uri="{05A4C25C-085E-4340-85A3-A5531E510DB2}">
-      <thm15:themeFamily xmlns:thm15="http://schemas.microsoft.com/office/thememl/2012/main" xmlns="" name="Office Theme" id="{62F939B6-93AF-4DB8-9C6B-D6C7DFDC589F}" vid="{4A3C46E8-61CC-4603-A589-7422A47A8E4A}"/>
+      <thm15:themeFamily xmlns:thm15="http://schemas.microsoft.com/office/thememl/2012/main" name="Office Theme" id="{62F939B6-93AF-4DB8-9C6B-D6C7DFDC589F}" vid="{4A3C46E8-61CC-4603-A589-7422A47A8E4A}"/>
     </a:ext>
   </a:extLst>
 </a:theme>
@@ -10610,7 +10859,7 @@
   <a:extraClrSchemeLst/>
   <a:extLst>
     <a:ext uri="{05A4C25C-085E-4340-85A3-A5531E510DB2}">
-      <thm15:themeFamily xmlns:thm15="http://schemas.microsoft.com/office/thememl/2012/main" xmlns="" name="Office Theme" id="{62F939B6-93AF-4DB8-9C6B-D6C7DFDC589F}" vid="{4A3C46E8-61CC-4603-A589-7422A47A8E4A}"/>
+      <thm15:themeFamily xmlns:thm15="http://schemas.microsoft.com/office/thememl/2012/main" name="Office Theme" id="{62F939B6-93AF-4DB8-9C6B-D6C7DFDC589F}" vid="{4A3C46E8-61CC-4603-A589-7422A47A8E4A}"/>
     </a:ext>
   </a:extLst>
 </a:theme>

--- a/Document/presentation/nam/7 wear.pptx
+++ b/Document/presentation/nam/7 wear.pptx
@@ -120,18 +120,7 @@
   </p:defaultTextStyle>
   <p:extLst>
     <p:ext uri="{EFAFB233-063F-42B5-8137-9DF3F51BA10A}">
-      <p15:sldGuideLst xmlns:p15="http://schemas.microsoft.com/office/powerpoint/2012/main">
-        <p15:guide id="1" orient="horz" pos="2160">
-          <p15:clr>
-            <a:srgbClr val="A4A3A4"/>
-          </p15:clr>
-        </p15:guide>
-        <p15:guide id="2" pos="2880">
-          <p15:clr>
-            <a:srgbClr val="A4A3A4"/>
-          </p15:clr>
-        </p15:guide>
-      </p15:sldGuideLst>
+      <p15:sldGuideLst xmlns:p15="http://schemas.microsoft.com/office/powerpoint/2012/main" xmlns=""/>
     </p:ext>
   </p:extLst>
 </p:presentation>
@@ -219,7 +208,7 @@
           <a:p>
             <a:fld id="{E6892A0F-7C57-3346-8BD8-BD37E7DB7057}" type="datetimeFigureOut">
               <a:rPr lang="en-US" smtClean="0"/>
-              <a:t>12/14/15</a:t>
+              <a:t>12/12/2015</a:t>
             </a:fld>
             <a:endParaRPr lang="en-US"/>
           </a:p>
@@ -1756,7 +1745,7 @@
           <a:p>
             <a:fld id="{94B1E4EC-92D8-4A33-94B0-5CDDBDDA3BE9}" type="datetimeFigureOut">
               <a:rPr lang="en-US" smtClean="0"/>
-              <a:t>12/14/15</a:t>
+              <a:t>12/12/2015</a:t>
             </a:fld>
             <a:endParaRPr lang="en-US"/>
           </a:p>
@@ -1926,7 +1915,7 @@
           <a:p>
             <a:fld id="{94B1E4EC-92D8-4A33-94B0-5CDDBDDA3BE9}" type="datetimeFigureOut">
               <a:rPr lang="en-US" smtClean="0"/>
-              <a:t>12/14/15</a:t>
+              <a:t>12/12/2015</a:t>
             </a:fld>
             <a:endParaRPr lang="en-US"/>
           </a:p>
@@ -2106,7 +2095,7 @@
           <a:p>
             <a:fld id="{94B1E4EC-92D8-4A33-94B0-5CDDBDDA3BE9}" type="datetimeFigureOut">
               <a:rPr lang="en-US" smtClean="0"/>
-              <a:t>12/14/15</a:t>
+              <a:t>12/12/2015</a:t>
             </a:fld>
             <a:endParaRPr lang="en-US"/>
           </a:p>
@@ -2571,7 +2560,7 @@
           <a:p>
             <a:fld id="{94B1E4EC-92D8-4A33-94B0-5CDDBDDA3BE9}" type="datetimeFigureOut">
               <a:rPr lang="en-US" smtClean="0"/>
-              <a:t>12/14/15</a:t>
+              <a:t>12/12/2015</a:t>
             </a:fld>
             <a:endParaRPr lang="en-US"/>
           </a:p>
@@ -2815,7 +2804,7 @@
           <a:p>
             <a:fld id="{94B1E4EC-92D8-4A33-94B0-5CDDBDDA3BE9}" type="datetimeFigureOut">
               <a:rPr lang="en-US" smtClean="0"/>
-              <a:t>12/14/15</a:t>
+              <a:t>12/12/2015</a:t>
             </a:fld>
             <a:endParaRPr lang="en-US"/>
           </a:p>
@@ -3047,7 +3036,7 @@
           <a:p>
             <a:fld id="{94B1E4EC-92D8-4A33-94B0-5CDDBDDA3BE9}" type="datetimeFigureOut">
               <a:rPr lang="en-US" smtClean="0"/>
-              <a:t>12/14/15</a:t>
+              <a:t>12/12/2015</a:t>
             </a:fld>
             <a:endParaRPr lang="en-US"/>
           </a:p>
@@ -3414,7 +3403,7 @@
           <a:p>
             <a:fld id="{94B1E4EC-92D8-4A33-94B0-5CDDBDDA3BE9}" type="datetimeFigureOut">
               <a:rPr lang="en-US" smtClean="0"/>
-              <a:t>12/14/15</a:t>
+              <a:t>12/12/2015</a:t>
             </a:fld>
             <a:endParaRPr lang="en-US"/>
           </a:p>
@@ -3532,7 +3521,7 @@
           <a:p>
             <a:fld id="{94B1E4EC-92D8-4A33-94B0-5CDDBDDA3BE9}" type="datetimeFigureOut">
               <a:rPr lang="en-US" smtClean="0"/>
-              <a:t>12/14/15</a:t>
+              <a:t>12/12/2015</a:t>
             </a:fld>
             <a:endParaRPr lang="en-US"/>
           </a:p>
@@ -3627,7 +3616,7 @@
           <a:p>
             <a:fld id="{94B1E4EC-92D8-4A33-94B0-5CDDBDDA3BE9}" type="datetimeFigureOut">
               <a:rPr lang="en-US" smtClean="0"/>
-              <a:t>12/14/15</a:t>
+              <a:t>12/12/2015</a:t>
             </a:fld>
             <a:endParaRPr lang="en-US"/>
           </a:p>
@@ -3904,7 +3893,7 @@
           <a:p>
             <a:fld id="{94B1E4EC-92D8-4A33-94B0-5CDDBDDA3BE9}" type="datetimeFigureOut">
               <a:rPr lang="en-US" smtClean="0"/>
-              <a:t>12/14/15</a:t>
+              <a:t>12/12/2015</a:t>
             </a:fld>
             <a:endParaRPr lang="en-US"/>
           </a:p>
@@ -4161,7 +4150,7 @@
           <a:p>
             <a:fld id="{94B1E4EC-92D8-4A33-94B0-5CDDBDDA3BE9}" type="datetimeFigureOut">
               <a:rPr lang="en-US" smtClean="0"/>
-              <a:t>12/14/15</a:t>
+              <a:t>12/12/2015</a:t>
             </a:fld>
             <a:endParaRPr lang="en-US"/>
           </a:p>
@@ -4374,7 +4363,7 @@
           <a:p>
             <a:fld id="{94B1E4EC-92D8-4A33-94B0-5CDDBDDA3BE9}" type="datetimeFigureOut">
               <a:rPr lang="en-US" smtClean="0"/>
-              <a:t>12/14/15</a:t>
+              <a:t>12/12/2015</a:t>
             </a:fld>
             <a:endParaRPr lang="en-US"/>
           </a:p>
@@ -5424,6 +5413,9 @@
               </a:rPr>
               <a:t>Data API</a:t>
             </a:r>
+            <a:endParaRPr lang="en-US" sz="2400" dirty="0">
+              <a:latin typeface="Cambria" pitchFamily="18" charset="0"/>
+            </a:endParaRPr>
           </a:p>
         </p:txBody>
       </p:sp>
@@ -5505,76 +5497,12 @@
               </a:rPr>
               <a:t>2</a:t>
             </a:r>
-          </a:p>
-        </p:txBody>
-      </p:sp>
-      <p:sp>
-        <p:nvSpPr>
-          <p:cNvPr id="14" name="TextBox 13"/>
-          <p:cNvSpPr txBox="1"/>
-          <p:nvPr/>
-        </p:nvSpPr>
-        <p:spPr>
-          <a:xfrm>
-            <a:off x="6336881" y="5090299"/>
-            <a:ext cx="1714700" cy="400110"/>
-          </a:xfrm>
-          <a:prstGeom prst="rect">
-            <a:avLst/>
-          </a:prstGeom>
-          <a:noFill/>
-        </p:spPr>
-        <p:txBody>
-          <a:bodyPr wrap="none" rtlCol="0">
-            <a:spAutoFit/>
-          </a:bodyPr>
-          <a:lstStyle/>
-          <a:p>
-            <a:r>
-              <a:rPr lang="en-US" sz="2000" dirty="0" smtClean="0">
-                <a:latin typeface="Cambria" charset="0"/>
-                <a:ea typeface="Cambria" charset="0"/>
-                <a:cs typeface="Cambria" charset="0"/>
-              </a:rPr>
-              <a:t>Android Wear</a:t>
-            </a:r>
-            <a:endParaRPr lang="en-US" sz="2000" dirty="0">
-              <a:latin typeface="Cambria" charset="0"/>
-              <a:ea typeface="Cambria" charset="0"/>
-              <a:cs typeface="Cambria" charset="0"/>
+            <a:endParaRPr lang="en-US" sz="2400" b="1" dirty="0">
+              <a:latin typeface="Cambria" pitchFamily="18" charset="0"/>
             </a:endParaRPr>
           </a:p>
         </p:txBody>
       </p:sp>
-      <p:pic>
-        <p:nvPicPr>
-          <p:cNvPr id="15" name="Picture 14"/>
-          <p:cNvPicPr>
-            <a:picLocks noChangeAspect="1"/>
-          </p:cNvPicPr>
-          <p:nvPr/>
-        </p:nvPicPr>
-        <p:blipFill rotWithShape="1">
-          <a:blip r:embed="rId4">
-            <a:extLst>
-              <a:ext uri="{28A0092B-C50C-407E-A947-70E740481C1C}">
-                <a14:useLocalDpi xmlns:a14="http://schemas.microsoft.com/office/drawing/2010/main" val="0"/>
-              </a:ext>
-            </a:extLst>
-          </a:blip>
-          <a:srcRect l="12442" t="83042" r="78378"/>
-          <a:stretch/>
-        </p:blipFill>
-        <p:spPr>
-          <a:xfrm>
-            <a:off x="5837595" y="4831768"/>
-            <a:ext cx="564414" cy="958249"/>
-          </a:xfrm>
-          <a:prstGeom prst="rect">
-            <a:avLst/>
-          </a:prstGeom>
-        </p:spPr>
-      </p:pic>
     </p:spTree>
     <p:extLst>
       <p:ext uri="{BB962C8B-B14F-4D97-AF65-F5344CB8AC3E}">
@@ -6031,6 +5959,9 @@
               </a:rPr>
               <a:t>Data API</a:t>
             </a:r>
+            <a:endParaRPr lang="en-US" sz="2400" dirty="0">
+              <a:latin typeface="Cambria" pitchFamily="18" charset="0"/>
+            </a:endParaRPr>
           </a:p>
         </p:txBody>
       </p:sp>
@@ -6112,6 +6043,9 @@
               </a:rPr>
               <a:t>2</a:t>
             </a:r>
+            <a:endParaRPr lang="en-US" sz="2400" b="1" dirty="0">
+              <a:latin typeface="Cambria" pitchFamily="18" charset="0"/>
+            </a:endParaRPr>
           </a:p>
         </p:txBody>
       </p:sp>
@@ -6290,76 +6224,12 @@
               </a:rPr>
               <a:t>3</a:t>
             </a:r>
-          </a:p>
-        </p:txBody>
-      </p:sp>
-      <p:sp>
-        <p:nvSpPr>
-          <p:cNvPr id="20" name="TextBox 19"/>
-          <p:cNvSpPr txBox="1"/>
-          <p:nvPr/>
-        </p:nvSpPr>
-        <p:spPr>
-          <a:xfrm>
-            <a:off x="6386260" y="5654889"/>
-            <a:ext cx="1714700" cy="400110"/>
-          </a:xfrm>
-          <a:prstGeom prst="rect">
-            <a:avLst/>
-          </a:prstGeom>
-          <a:noFill/>
-        </p:spPr>
-        <p:txBody>
-          <a:bodyPr wrap="none" rtlCol="0">
-            <a:spAutoFit/>
-          </a:bodyPr>
-          <a:lstStyle/>
-          <a:p>
-            <a:r>
-              <a:rPr lang="en-US" sz="2000" dirty="0" smtClean="0">
-                <a:latin typeface="Cambria" charset="0"/>
-                <a:ea typeface="Cambria" charset="0"/>
-                <a:cs typeface="Cambria" charset="0"/>
-              </a:rPr>
-              <a:t>Android Wear</a:t>
-            </a:r>
-            <a:endParaRPr lang="en-US" sz="2000" dirty="0">
-              <a:latin typeface="Cambria" charset="0"/>
-              <a:ea typeface="Cambria" charset="0"/>
-              <a:cs typeface="Cambria" charset="0"/>
+            <a:endParaRPr lang="en-US" sz="2400" b="1" dirty="0">
+              <a:latin typeface="Cambria" pitchFamily="18" charset="0"/>
             </a:endParaRPr>
           </a:p>
         </p:txBody>
       </p:sp>
-      <p:pic>
-        <p:nvPicPr>
-          <p:cNvPr id="21" name="Picture 20"/>
-          <p:cNvPicPr>
-            <a:picLocks noChangeAspect="1"/>
-          </p:cNvPicPr>
-          <p:nvPr/>
-        </p:nvPicPr>
-        <p:blipFill rotWithShape="1">
-          <a:blip r:embed="rId4">
-            <a:extLst>
-              <a:ext uri="{28A0092B-C50C-407E-A947-70E740481C1C}">
-                <a14:useLocalDpi xmlns:a14="http://schemas.microsoft.com/office/drawing/2010/main" val="0"/>
-              </a:ext>
-            </a:extLst>
-          </a:blip>
-          <a:srcRect l="12442" t="83042" r="78378"/>
-          <a:stretch/>
-        </p:blipFill>
-        <p:spPr>
-          <a:xfrm>
-            <a:off x="5924877" y="5219617"/>
-            <a:ext cx="564414" cy="958249"/>
-          </a:xfrm>
-          <a:prstGeom prst="rect">
-            <a:avLst/>
-          </a:prstGeom>
-        </p:spPr>
-      </p:pic>
     </p:spTree>
     <p:extLst>
       <p:ext uri="{BB962C8B-B14F-4D97-AF65-F5344CB8AC3E}">
@@ -8180,6 +8050,12 @@
               </a:rPr>
               <a:t>2</a:t>
             </a:r>
+            <a:endParaRPr lang="en-US" sz="2400" b="1" dirty="0">
+              <a:solidFill>
+                <a:srgbClr val="FF0000"/>
+              </a:solidFill>
+              <a:latin typeface="Cambria" pitchFamily="18" charset="0"/>
+            </a:endParaRPr>
           </a:p>
         </p:txBody>
       </p:sp>
@@ -8772,6 +8648,12 @@
               </a:rPr>
               <a:t>2</a:t>
             </a:r>
+            <a:endParaRPr lang="en-US" sz="2400" b="1" dirty="0">
+              <a:solidFill>
+                <a:srgbClr val="FF0000"/>
+              </a:solidFill>
+              <a:latin typeface="Cambria" pitchFamily="18" charset="0"/>
+            </a:endParaRPr>
           </a:p>
         </p:txBody>
       </p:sp>
@@ -9608,7 +9490,7 @@
           <a:lstStyle/>
           <a:p>
             <a:pPr algn="ctr"/>
-            <a:endParaRPr lang="en-US" dirty="0"/>
+            <a:endParaRPr lang="en-US"/>
           </a:p>
         </p:txBody>
       </p:sp>
@@ -9730,73 +9612,6 @@
           </a:p>
         </p:txBody>
       </p:sp>
-      <p:sp>
-        <p:nvSpPr>
-          <p:cNvPr id="5" name="TextBox 4"/>
-          <p:cNvSpPr txBox="1"/>
-          <p:nvPr/>
-        </p:nvSpPr>
-        <p:spPr>
-          <a:xfrm>
-            <a:off x="6336881" y="5090299"/>
-            <a:ext cx="1714700" cy="400110"/>
-          </a:xfrm>
-          <a:prstGeom prst="rect">
-            <a:avLst/>
-          </a:prstGeom>
-          <a:noFill/>
-        </p:spPr>
-        <p:txBody>
-          <a:bodyPr wrap="none" rtlCol="0">
-            <a:spAutoFit/>
-          </a:bodyPr>
-          <a:lstStyle/>
-          <a:p>
-            <a:r>
-              <a:rPr lang="en-US" sz="2000" dirty="0" smtClean="0">
-                <a:latin typeface="Cambria" charset="0"/>
-                <a:ea typeface="Cambria" charset="0"/>
-                <a:cs typeface="Cambria" charset="0"/>
-              </a:rPr>
-              <a:t>Android Wear</a:t>
-            </a:r>
-            <a:endParaRPr lang="en-US" sz="2000" dirty="0">
-              <a:latin typeface="Cambria" charset="0"/>
-              <a:ea typeface="Cambria" charset="0"/>
-              <a:cs typeface="Cambria" charset="0"/>
-            </a:endParaRPr>
-          </a:p>
-        </p:txBody>
-      </p:sp>
-      <p:pic>
-        <p:nvPicPr>
-          <p:cNvPr id="12" name="Picture 11"/>
-          <p:cNvPicPr>
-            <a:picLocks noChangeAspect="1"/>
-          </p:cNvPicPr>
-          <p:nvPr/>
-        </p:nvPicPr>
-        <p:blipFill rotWithShape="1">
-          <a:blip r:embed="rId4">
-            <a:extLst>
-              <a:ext uri="{28A0092B-C50C-407E-A947-70E740481C1C}">
-                <a14:useLocalDpi xmlns:a14="http://schemas.microsoft.com/office/drawing/2010/main" val="0"/>
-              </a:ext>
-            </a:extLst>
-          </a:blip>
-          <a:srcRect l="12442" t="83042" r="78378"/>
-          <a:stretch/>
-        </p:blipFill>
-        <p:spPr>
-          <a:xfrm>
-            <a:off x="5837595" y="4831768"/>
-            <a:ext cx="564414" cy="958249"/>
-          </a:xfrm>
-          <a:prstGeom prst="rect">
-            <a:avLst/>
-          </a:prstGeom>
-        </p:spPr>
-      </p:pic>
     </p:spTree>
     <p:extLst>
       <p:ext uri="{BB962C8B-B14F-4D97-AF65-F5344CB8AC3E}">
@@ -10253,76 +10068,12 @@
               </a:rPr>
               <a:t>Data API</a:t>
             </a:r>
-          </a:p>
-        </p:txBody>
-      </p:sp>
-      <p:sp>
-        <p:nvSpPr>
-          <p:cNvPr id="15" name="TextBox 14"/>
-          <p:cNvSpPr txBox="1"/>
-          <p:nvPr/>
-        </p:nvSpPr>
-        <p:spPr>
-          <a:xfrm>
-            <a:off x="6336881" y="5090299"/>
-            <a:ext cx="1714700" cy="400110"/>
-          </a:xfrm>
-          <a:prstGeom prst="rect">
-            <a:avLst/>
-          </a:prstGeom>
-          <a:noFill/>
-        </p:spPr>
-        <p:txBody>
-          <a:bodyPr wrap="none" rtlCol="0">
-            <a:spAutoFit/>
-          </a:bodyPr>
-          <a:lstStyle/>
-          <a:p>
-            <a:r>
-              <a:rPr lang="en-US" sz="2000" dirty="0" smtClean="0">
-                <a:latin typeface="Cambria" charset="0"/>
-                <a:ea typeface="Cambria" charset="0"/>
-                <a:cs typeface="Cambria" charset="0"/>
-              </a:rPr>
-              <a:t>Android Wear</a:t>
-            </a:r>
-            <a:endParaRPr lang="en-US" sz="2000" dirty="0">
-              <a:latin typeface="Cambria" charset="0"/>
-              <a:ea typeface="Cambria" charset="0"/>
-              <a:cs typeface="Cambria" charset="0"/>
+            <a:endParaRPr lang="en-US" sz="2400" dirty="0">
+              <a:latin typeface="Cambria" pitchFamily="18" charset="0"/>
             </a:endParaRPr>
           </a:p>
         </p:txBody>
       </p:sp>
-      <p:pic>
-        <p:nvPicPr>
-          <p:cNvPr id="16" name="Picture 15"/>
-          <p:cNvPicPr>
-            <a:picLocks noChangeAspect="1"/>
-          </p:cNvPicPr>
-          <p:nvPr/>
-        </p:nvPicPr>
-        <p:blipFill rotWithShape="1">
-          <a:blip r:embed="rId4">
-            <a:extLst>
-              <a:ext uri="{28A0092B-C50C-407E-A947-70E740481C1C}">
-                <a14:useLocalDpi xmlns:a14="http://schemas.microsoft.com/office/drawing/2010/main" val="0"/>
-              </a:ext>
-            </a:extLst>
-          </a:blip>
-          <a:srcRect l="12442" t="83042" r="78378"/>
-          <a:stretch/>
-        </p:blipFill>
-        <p:spPr>
-          <a:xfrm>
-            <a:off x="5837595" y="4831768"/>
-            <a:ext cx="564414" cy="958249"/>
-          </a:xfrm>
-          <a:prstGeom prst="rect">
-            <a:avLst/>
-          </a:prstGeom>
-        </p:spPr>
-      </p:pic>
     </p:spTree>
     <p:extLst>
       <p:ext uri="{BB962C8B-B14F-4D97-AF65-F5344CB8AC3E}">
@@ -10598,7 +10349,7 @@
   <a:extraClrSchemeLst/>
   <a:extLst>
     <a:ext uri="{05A4C25C-085E-4340-85A3-A5531E510DB2}">
-      <thm15:themeFamily xmlns:thm15="http://schemas.microsoft.com/office/thememl/2012/main" name="Office Theme" id="{62F939B6-93AF-4DB8-9C6B-D6C7DFDC589F}" vid="{4A3C46E8-61CC-4603-A589-7422A47A8E4A}"/>
+      <thm15:themeFamily xmlns:thm15="http://schemas.microsoft.com/office/thememl/2012/main" xmlns="" name="Office Theme" id="{62F939B6-93AF-4DB8-9C6B-D6C7DFDC589F}" vid="{4A3C46E8-61CC-4603-A589-7422A47A8E4A}"/>
     </a:ext>
   </a:extLst>
 </a:theme>
@@ -10859,7 +10610,7 @@
   <a:extraClrSchemeLst/>
   <a:extLst>
     <a:ext uri="{05A4C25C-085E-4340-85A3-A5531E510DB2}">
-      <thm15:themeFamily xmlns:thm15="http://schemas.microsoft.com/office/thememl/2012/main" name="Office Theme" id="{62F939B6-93AF-4DB8-9C6B-D6C7DFDC589F}" vid="{4A3C46E8-61CC-4603-A589-7422A47A8E4A}"/>
+      <thm15:themeFamily xmlns:thm15="http://schemas.microsoft.com/office/thememl/2012/main" xmlns="" name="Office Theme" id="{62F939B6-93AF-4DB8-9C6B-D6C7DFDC589F}" vid="{4A3C46E8-61CC-4603-A589-7422A47A8E4A}"/>
     </a:ext>
   </a:extLst>
 </a:theme>

--- a/Document/presentation/nam/7 wear.pptx
+++ b/Document/presentation/nam/7 wear.pptx
@@ -5,7 +5,7 @@
     <p:sldMasterId id="2147483660" r:id="rId1"/>
   </p:sldMasterIdLst>
   <p:notesMasterIdLst>
-    <p:notesMasterId r:id="rId14"/>
+    <p:notesMasterId r:id="rId16"/>
   </p:notesMasterIdLst>
   <p:sldIdLst>
     <p:sldId id="323" r:id="rId2"/>
@@ -19,7 +19,9 @@
     <p:sldId id="343" r:id="rId10"/>
     <p:sldId id="344" r:id="rId11"/>
     <p:sldId id="345" r:id="rId12"/>
-    <p:sldId id="330" r:id="rId13"/>
+    <p:sldId id="346" r:id="rId13"/>
+    <p:sldId id="347" r:id="rId14"/>
+    <p:sldId id="330" r:id="rId15"/>
   </p:sldIdLst>
   <p:sldSz cx="9144000" cy="6858000" type="screen4x3"/>
   <p:notesSz cx="6858000" cy="9144000"/>
@@ -186,7 +188,7 @@
             </a:lvl1pPr>
           </a:lstStyle>
           <a:p>
-            <a:endParaRPr lang="en-US"/>
+            <a:endParaRPr lang="en-US" dirty="0"/>
           </a:p>
         </p:txBody>
       </p:sp>
@@ -219,9 +221,9 @@
           <a:p>
             <a:fld id="{E6892A0F-7C57-3346-8BD8-BD37E7DB7057}" type="datetimeFigureOut">
               <a:rPr lang="en-US" smtClean="0"/>
-              <a:t>12/14/15</a:t>
+              <a:t>12/14/2015</a:t>
             </a:fld>
-            <a:endParaRPr lang="en-US"/>
+            <a:endParaRPr lang="en-US" dirty="0"/>
           </a:p>
         </p:txBody>
       </p:sp>
@@ -254,7 +256,7 @@
           <a:bodyPr vert="horz" lIns="91440" tIns="45720" rIns="91440" bIns="45720" rtlCol="0" anchor="ctr"/>
           <a:lstStyle/>
           <a:p>
-            <a:endParaRPr lang="en-US"/>
+            <a:endParaRPr lang="en-US" dirty="0"/>
           </a:p>
         </p:txBody>
       </p:sp>
@@ -345,7 +347,7 @@
             </a:lvl1pPr>
           </a:lstStyle>
           <a:p>
-            <a:endParaRPr lang="en-US"/>
+            <a:endParaRPr lang="en-US" dirty="0"/>
           </a:p>
         </p:txBody>
       </p:sp>
@@ -380,7 +382,7 @@
               <a:rPr lang="en-US" smtClean="0"/>
               <a:t>‹#›</a:t>
             </a:fld>
-            <a:endParaRPr lang="en-US"/>
+            <a:endParaRPr lang="en-US" dirty="0"/>
           </a:p>
         </p:txBody>
       </p:sp>
@@ -840,6 +842,100 @@
           <a:bodyPr/>
           <a:lstStyle/>
           <a:p>
+            <a:r>
+              <a:rPr lang="en-US" dirty="0" smtClean="0"/>
+              <a:t>Sau </a:t>
+            </a:r>
+            <a:r>
+              <a:rPr lang="en-US" dirty="0" err="1" smtClean="0"/>
+              <a:t>đó</a:t>
+            </a:r>
+            <a:r>
+              <a:rPr lang="en-US" baseline="0" dirty="0" smtClean="0"/>
+              <a:t> </a:t>
+            </a:r>
+            <a:r>
+              <a:rPr lang="en-US" baseline="0" dirty="0" err="1" smtClean="0"/>
+              <a:t>khi</a:t>
+            </a:r>
+            <a:r>
+              <a:rPr lang="en-US" baseline="0" dirty="0" smtClean="0"/>
+              <a:t> </a:t>
+            </a:r>
+            <a:r>
+              <a:rPr lang="en-US" baseline="0" dirty="0" err="1" smtClean="0"/>
+              <a:t>mún</a:t>
+            </a:r>
+            <a:r>
+              <a:rPr lang="en-US" baseline="0" dirty="0" smtClean="0"/>
+              <a:t> </a:t>
+            </a:r>
+            <a:r>
+              <a:rPr lang="en-US" baseline="0" dirty="0" err="1" smtClean="0"/>
+              <a:t>chuyển</a:t>
+            </a:r>
+            <a:r>
+              <a:rPr lang="en-US" baseline="0" dirty="0" smtClean="0"/>
+              <a:t> </a:t>
+            </a:r>
+            <a:r>
+              <a:rPr lang="en-US" baseline="0" dirty="0" err="1" smtClean="0"/>
+              <a:t>đổi</a:t>
+            </a:r>
+            <a:r>
+              <a:rPr lang="en-US" baseline="0" dirty="0" smtClean="0"/>
+              <a:t> </a:t>
+            </a:r>
+            <a:r>
+              <a:rPr lang="en-US" baseline="0" dirty="0" err="1" smtClean="0"/>
+              <a:t>dữ</a:t>
+            </a:r>
+            <a:r>
+              <a:rPr lang="en-US" baseline="0" dirty="0" smtClean="0"/>
+              <a:t> </a:t>
+            </a:r>
+            <a:r>
+              <a:rPr lang="en-US" baseline="0" dirty="0" err="1" smtClean="0"/>
+              <a:t>liệu</a:t>
+            </a:r>
+            <a:r>
+              <a:rPr lang="en-US" baseline="0" dirty="0" smtClean="0"/>
+              <a:t> </a:t>
+            </a:r>
+            <a:r>
+              <a:rPr lang="en-US" baseline="0" dirty="0" err="1" smtClean="0"/>
+              <a:t>từ</a:t>
+            </a:r>
+            <a:r>
+              <a:rPr lang="en-US" baseline="0" dirty="0" smtClean="0"/>
+              <a:t> mobile sang wear.</a:t>
+            </a:r>
+          </a:p>
+          <a:p>
+            <a:r>
+              <a:rPr lang="en-US" baseline="0" dirty="0" err="1" smtClean="0"/>
+              <a:t>Từ</a:t>
+            </a:r>
+            <a:r>
+              <a:rPr lang="en-US" baseline="0" dirty="0" smtClean="0"/>
+              <a:t> mobile </a:t>
+            </a:r>
+            <a:r>
+              <a:rPr lang="en-US" baseline="0" dirty="0" err="1" smtClean="0"/>
+              <a:t>tôi</a:t>
+            </a:r>
+            <a:r>
+              <a:rPr lang="en-US" baseline="0" dirty="0" smtClean="0"/>
+              <a:t> </a:t>
+            </a:r>
+            <a:r>
+              <a:rPr lang="en-US" baseline="0" dirty="0" err="1" smtClean="0"/>
+              <a:t>có</a:t>
+            </a:r>
+            <a:r>
+              <a:rPr lang="en-US" baseline="0" dirty="0" smtClean="0"/>
+              <a:t> 1 object</a:t>
+            </a:r>
             <a:endParaRPr lang="en-US" dirty="0"/>
           </a:p>
         </p:txBody>
@@ -863,7 +959,219 @@
               <a:rPr lang="en-US" smtClean="0"/>
               <a:t>12</a:t>
             </a:fld>
-            <a:endParaRPr lang="en-US"/>
+            <a:endParaRPr lang="en-US" dirty="0"/>
+          </a:p>
+        </p:txBody>
+      </p:sp>
+    </p:spTree>
+    <p:extLst>
+      <p:ext uri="{BB962C8B-B14F-4D97-AF65-F5344CB8AC3E}">
+        <p14:creationId xmlns:p14="http://schemas.microsoft.com/office/powerpoint/2010/main" val="2013104933"/>
+      </p:ext>
+    </p:extLst>
+  </p:cSld>
+  <p:clrMapOvr>
+    <a:masterClrMapping/>
+  </p:clrMapOvr>
+</p:notes>
+</file>
+
+<file path=ppt/notesSlides/notesSlide13.xml><?xml version="1.0" encoding="utf-8"?>
+<p:notes xmlns:a="http://schemas.openxmlformats.org/drawingml/2006/main" xmlns:r="http://schemas.openxmlformats.org/officeDocument/2006/relationships" xmlns:p="http://schemas.openxmlformats.org/presentationml/2006/main">
+  <p:cSld>
+    <p:spTree>
+      <p:nvGrpSpPr>
+        <p:cNvPr id="1" name=""/>
+        <p:cNvGrpSpPr/>
+        <p:nvPr/>
+      </p:nvGrpSpPr>
+      <p:grpSpPr>
+        <a:xfrm>
+          <a:off x="0" y="0"/>
+          <a:ext cx="0" cy="0"/>
+          <a:chOff x="0" y="0"/>
+          <a:chExt cx="0" cy="0"/>
+        </a:xfrm>
+      </p:grpSpPr>
+      <p:sp>
+        <p:nvSpPr>
+          <p:cNvPr id="2" name="Slide Image Placeholder 1"/>
+          <p:cNvSpPr>
+            <a:spLocks noGrp="1" noRot="1" noChangeAspect="1"/>
+          </p:cNvSpPr>
+          <p:nvPr>
+            <p:ph type="sldImg"/>
+          </p:nvPr>
+        </p:nvSpPr>
+        <p:spPr/>
+      </p:sp>
+      <p:sp>
+        <p:nvSpPr>
+          <p:cNvPr id="3" name="Notes Placeholder 2"/>
+          <p:cNvSpPr>
+            <a:spLocks noGrp="1"/>
+          </p:cNvSpPr>
+          <p:nvPr>
+            <p:ph type="body" idx="1"/>
+          </p:nvPr>
+        </p:nvSpPr>
+        <p:spPr/>
+        <p:txBody>
+          <a:bodyPr/>
+          <a:lstStyle/>
+          <a:p>
+            <a:r>
+              <a:rPr lang="en-US" dirty="0" err="1" smtClean="0"/>
+              <a:t>Trước</a:t>
+            </a:r>
+            <a:r>
+              <a:rPr lang="en-US" baseline="0" dirty="0" smtClean="0"/>
+              <a:t> </a:t>
+            </a:r>
+            <a:r>
+              <a:rPr lang="en-US" baseline="0" dirty="0" err="1" smtClean="0"/>
+              <a:t>tiên</a:t>
+            </a:r>
+            <a:r>
+              <a:rPr lang="en-US" baseline="0" dirty="0" smtClean="0"/>
+              <a:t> </a:t>
+            </a:r>
+            <a:r>
+              <a:rPr lang="en-US" baseline="0" dirty="0" err="1" smtClean="0"/>
+              <a:t>từ</a:t>
+            </a:r>
+            <a:r>
+              <a:rPr lang="en-US" baseline="0" dirty="0" smtClean="0"/>
+              <a:t> 1 object </a:t>
+            </a:r>
+            <a:r>
+              <a:rPr lang="en-US" baseline="0" dirty="0" err="1" smtClean="0"/>
+              <a:t>tôi</a:t>
+            </a:r>
+            <a:r>
+              <a:rPr lang="en-US" baseline="0" dirty="0" smtClean="0"/>
+              <a:t> </a:t>
+            </a:r>
+            <a:r>
+              <a:rPr lang="en-US" baseline="0" dirty="0" err="1" smtClean="0"/>
+              <a:t>chuyển</a:t>
+            </a:r>
+            <a:r>
+              <a:rPr lang="en-US" baseline="0" dirty="0" smtClean="0"/>
+              <a:t> qua object </a:t>
+            </a:r>
+            <a:r>
+              <a:rPr lang="en-US" baseline="0" dirty="0" err="1" smtClean="0"/>
+              <a:t>datamap</a:t>
+            </a:r>
+            <a:endParaRPr lang="en-US" dirty="0"/>
+          </a:p>
+        </p:txBody>
+      </p:sp>
+      <p:sp>
+        <p:nvSpPr>
+          <p:cNvPr id="4" name="Slide Number Placeholder 3"/>
+          <p:cNvSpPr>
+            <a:spLocks noGrp="1"/>
+          </p:cNvSpPr>
+          <p:nvPr>
+            <p:ph type="sldNum" sz="quarter" idx="10"/>
+          </p:nvPr>
+        </p:nvSpPr>
+        <p:spPr/>
+        <p:txBody>
+          <a:bodyPr/>
+          <a:lstStyle/>
+          <a:p>
+            <a:fld id="{91FD8968-C20D-B548-8F38-158084641085}" type="slidenum">
+              <a:rPr lang="en-US" smtClean="0"/>
+              <a:t>13</a:t>
+            </a:fld>
+            <a:endParaRPr lang="en-US" dirty="0"/>
+          </a:p>
+        </p:txBody>
+      </p:sp>
+    </p:spTree>
+    <p:extLst>
+      <p:ext uri="{BB962C8B-B14F-4D97-AF65-F5344CB8AC3E}">
+        <p14:creationId xmlns:p14="http://schemas.microsoft.com/office/powerpoint/2010/main" val="2547725692"/>
+      </p:ext>
+    </p:extLst>
+  </p:cSld>
+  <p:clrMapOvr>
+    <a:masterClrMapping/>
+  </p:clrMapOvr>
+</p:notes>
+</file>
+
+<file path=ppt/notesSlides/notesSlide14.xml><?xml version="1.0" encoding="utf-8"?>
+<p:notes xmlns:a="http://schemas.openxmlformats.org/drawingml/2006/main" xmlns:r="http://schemas.openxmlformats.org/officeDocument/2006/relationships" xmlns:p="http://schemas.openxmlformats.org/presentationml/2006/main">
+  <p:cSld>
+    <p:spTree>
+      <p:nvGrpSpPr>
+        <p:cNvPr id="1" name=""/>
+        <p:cNvGrpSpPr/>
+        <p:nvPr/>
+      </p:nvGrpSpPr>
+      <p:grpSpPr>
+        <a:xfrm>
+          <a:off x="0" y="0"/>
+          <a:ext cx="0" cy="0"/>
+          <a:chOff x="0" y="0"/>
+          <a:chExt cx="0" cy="0"/>
+        </a:xfrm>
+      </p:grpSpPr>
+      <p:sp>
+        <p:nvSpPr>
+          <p:cNvPr id="2" name="Slide Image Placeholder 1"/>
+          <p:cNvSpPr>
+            <a:spLocks noGrp="1" noRot="1" noChangeAspect="1"/>
+          </p:cNvSpPr>
+          <p:nvPr>
+            <p:ph type="sldImg"/>
+          </p:nvPr>
+        </p:nvSpPr>
+        <p:spPr/>
+      </p:sp>
+      <p:sp>
+        <p:nvSpPr>
+          <p:cNvPr id="3" name="Notes Placeholder 2"/>
+          <p:cNvSpPr>
+            <a:spLocks noGrp="1"/>
+          </p:cNvSpPr>
+          <p:nvPr>
+            <p:ph type="body" idx="1"/>
+          </p:nvPr>
+        </p:nvSpPr>
+        <p:spPr/>
+        <p:txBody>
+          <a:bodyPr/>
+          <a:lstStyle/>
+          <a:p>
+            <a:endParaRPr lang="en-US" dirty="0"/>
+          </a:p>
+        </p:txBody>
+      </p:sp>
+      <p:sp>
+        <p:nvSpPr>
+          <p:cNvPr id="4" name="Slide Number Placeholder 3"/>
+          <p:cNvSpPr>
+            <a:spLocks noGrp="1"/>
+          </p:cNvSpPr>
+          <p:nvPr>
+            <p:ph type="sldNum" sz="quarter" idx="10"/>
+          </p:nvPr>
+        </p:nvSpPr>
+        <p:spPr/>
+        <p:txBody>
+          <a:bodyPr/>
+          <a:lstStyle/>
+          <a:p>
+            <a:fld id="{91FD8968-C20D-B548-8F38-158084641085}" type="slidenum">
+              <a:rPr lang="en-US" smtClean="0"/>
+              <a:t>14</a:t>
+            </a:fld>
+            <a:endParaRPr lang="en-US" dirty="0"/>
           </a:p>
         </p:txBody>
       </p:sp>
@@ -1756,9 +2064,9 @@
           <a:p>
             <a:fld id="{94B1E4EC-92D8-4A33-94B0-5CDDBDDA3BE9}" type="datetimeFigureOut">
               <a:rPr lang="en-US" smtClean="0"/>
-              <a:t>12/14/15</a:t>
+              <a:t>12/14/2015</a:t>
             </a:fld>
-            <a:endParaRPr lang="en-US"/>
+            <a:endParaRPr lang="en-US" dirty="0"/>
           </a:p>
         </p:txBody>
       </p:sp>
@@ -1777,7 +2085,7 @@
           <a:bodyPr/>
           <a:lstStyle/>
           <a:p>
-            <a:endParaRPr lang="en-US"/>
+            <a:endParaRPr lang="en-US" dirty="0"/>
           </a:p>
         </p:txBody>
       </p:sp>
@@ -1800,7 +2108,7 @@
               <a:rPr lang="en-US" smtClean="0"/>
               <a:t>‹#›</a:t>
             </a:fld>
-            <a:endParaRPr lang="en-US"/>
+            <a:endParaRPr lang="en-US" dirty="0"/>
           </a:p>
         </p:txBody>
       </p:sp>
@@ -1926,9 +2234,9 @@
           <a:p>
             <a:fld id="{94B1E4EC-92D8-4A33-94B0-5CDDBDDA3BE9}" type="datetimeFigureOut">
               <a:rPr lang="en-US" smtClean="0"/>
-              <a:t>12/14/15</a:t>
+              <a:t>12/14/2015</a:t>
             </a:fld>
-            <a:endParaRPr lang="en-US"/>
+            <a:endParaRPr lang="en-US" dirty="0"/>
           </a:p>
         </p:txBody>
       </p:sp>
@@ -1947,7 +2255,7 @@
           <a:bodyPr/>
           <a:lstStyle/>
           <a:p>
-            <a:endParaRPr lang="en-US"/>
+            <a:endParaRPr lang="en-US" dirty="0"/>
           </a:p>
         </p:txBody>
       </p:sp>
@@ -1970,7 +2278,7 @@
               <a:rPr lang="en-US" smtClean="0"/>
               <a:t>‹#›</a:t>
             </a:fld>
-            <a:endParaRPr lang="en-US"/>
+            <a:endParaRPr lang="en-US" dirty="0"/>
           </a:p>
         </p:txBody>
       </p:sp>
@@ -2106,9 +2414,9 @@
           <a:p>
             <a:fld id="{94B1E4EC-92D8-4A33-94B0-5CDDBDDA3BE9}" type="datetimeFigureOut">
               <a:rPr lang="en-US" smtClean="0"/>
-              <a:t>12/14/15</a:t>
+              <a:t>12/14/2015</a:t>
             </a:fld>
-            <a:endParaRPr lang="en-US"/>
+            <a:endParaRPr lang="en-US" dirty="0"/>
           </a:p>
         </p:txBody>
       </p:sp>
@@ -2127,7 +2435,7 @@
           <a:bodyPr/>
           <a:lstStyle/>
           <a:p>
-            <a:endParaRPr lang="en-US"/>
+            <a:endParaRPr lang="en-US" dirty="0"/>
           </a:p>
         </p:txBody>
       </p:sp>
@@ -2150,7 +2458,7 @@
               <a:rPr lang="en-US" smtClean="0"/>
               <a:t>‹#›</a:t>
             </a:fld>
-            <a:endParaRPr lang="en-US"/>
+            <a:endParaRPr lang="en-US" dirty="0"/>
           </a:p>
         </p:txBody>
       </p:sp>
@@ -2211,7 +2519,7 @@
           </a:bodyPr>
           <a:lstStyle/>
           <a:p>
-            <a:endParaRPr sz="1050" kern="0">
+            <a:endParaRPr sz="1050" kern="0" dirty="0">
               <a:solidFill>
                 <a:srgbClr val="000000"/>
               </a:solidFill>
@@ -2571,9 +2879,9 @@
           <a:p>
             <a:fld id="{94B1E4EC-92D8-4A33-94B0-5CDDBDDA3BE9}" type="datetimeFigureOut">
               <a:rPr lang="en-US" smtClean="0"/>
-              <a:t>12/14/15</a:t>
+              <a:t>12/14/2015</a:t>
             </a:fld>
-            <a:endParaRPr lang="en-US"/>
+            <a:endParaRPr lang="en-US" dirty="0"/>
           </a:p>
         </p:txBody>
       </p:sp>
@@ -2592,7 +2900,7 @@
           <a:bodyPr/>
           <a:lstStyle/>
           <a:p>
-            <a:endParaRPr lang="en-US"/>
+            <a:endParaRPr lang="en-US" dirty="0"/>
           </a:p>
         </p:txBody>
       </p:sp>
@@ -2615,7 +2923,7 @@
               <a:rPr lang="en-US" smtClean="0"/>
               <a:t>‹#›</a:t>
             </a:fld>
-            <a:endParaRPr lang="en-US"/>
+            <a:endParaRPr lang="en-US" dirty="0"/>
           </a:p>
         </p:txBody>
       </p:sp>
@@ -2815,9 +3123,9 @@
           <a:p>
             <a:fld id="{94B1E4EC-92D8-4A33-94B0-5CDDBDDA3BE9}" type="datetimeFigureOut">
               <a:rPr lang="en-US" smtClean="0"/>
-              <a:t>12/14/15</a:t>
+              <a:t>12/14/2015</a:t>
             </a:fld>
-            <a:endParaRPr lang="en-US"/>
+            <a:endParaRPr lang="en-US" dirty="0"/>
           </a:p>
         </p:txBody>
       </p:sp>
@@ -2836,7 +3144,7 @@
           <a:bodyPr/>
           <a:lstStyle/>
           <a:p>
-            <a:endParaRPr lang="en-US"/>
+            <a:endParaRPr lang="en-US" dirty="0"/>
           </a:p>
         </p:txBody>
       </p:sp>
@@ -2859,7 +3167,7 @@
               <a:rPr lang="en-US" smtClean="0"/>
               <a:t>‹#›</a:t>
             </a:fld>
-            <a:endParaRPr lang="en-US"/>
+            <a:endParaRPr lang="en-US" dirty="0"/>
           </a:p>
         </p:txBody>
       </p:sp>
@@ -3047,9 +3355,9 @@
           <a:p>
             <a:fld id="{94B1E4EC-92D8-4A33-94B0-5CDDBDDA3BE9}" type="datetimeFigureOut">
               <a:rPr lang="en-US" smtClean="0"/>
-              <a:t>12/14/15</a:t>
+              <a:t>12/14/2015</a:t>
             </a:fld>
-            <a:endParaRPr lang="en-US"/>
+            <a:endParaRPr lang="en-US" dirty="0"/>
           </a:p>
         </p:txBody>
       </p:sp>
@@ -3068,7 +3376,7 @@
           <a:bodyPr/>
           <a:lstStyle/>
           <a:p>
-            <a:endParaRPr lang="en-US"/>
+            <a:endParaRPr lang="en-US" dirty="0"/>
           </a:p>
         </p:txBody>
       </p:sp>
@@ -3091,7 +3399,7 @@
               <a:rPr lang="en-US" smtClean="0"/>
               <a:t>‹#›</a:t>
             </a:fld>
-            <a:endParaRPr lang="en-US"/>
+            <a:endParaRPr lang="en-US" dirty="0"/>
           </a:p>
         </p:txBody>
       </p:sp>
@@ -3414,9 +3722,9 @@
           <a:p>
             <a:fld id="{94B1E4EC-92D8-4A33-94B0-5CDDBDDA3BE9}" type="datetimeFigureOut">
               <a:rPr lang="en-US" smtClean="0"/>
-              <a:t>12/14/15</a:t>
+              <a:t>12/14/2015</a:t>
             </a:fld>
-            <a:endParaRPr lang="en-US"/>
+            <a:endParaRPr lang="en-US" dirty="0"/>
           </a:p>
         </p:txBody>
       </p:sp>
@@ -3435,7 +3743,7 @@
           <a:bodyPr/>
           <a:lstStyle/>
           <a:p>
-            <a:endParaRPr lang="en-US"/>
+            <a:endParaRPr lang="en-US" dirty="0"/>
           </a:p>
         </p:txBody>
       </p:sp>
@@ -3458,7 +3766,7 @@
               <a:rPr lang="en-US" smtClean="0"/>
               <a:t>‹#›</a:t>
             </a:fld>
-            <a:endParaRPr lang="en-US"/>
+            <a:endParaRPr lang="en-US" dirty="0"/>
           </a:p>
         </p:txBody>
       </p:sp>
@@ -3532,9 +3840,9 @@
           <a:p>
             <a:fld id="{94B1E4EC-92D8-4A33-94B0-5CDDBDDA3BE9}" type="datetimeFigureOut">
               <a:rPr lang="en-US" smtClean="0"/>
-              <a:t>12/14/15</a:t>
+              <a:t>12/14/2015</a:t>
             </a:fld>
-            <a:endParaRPr lang="en-US"/>
+            <a:endParaRPr lang="en-US" dirty="0"/>
           </a:p>
         </p:txBody>
       </p:sp>
@@ -3553,7 +3861,7 @@
           <a:bodyPr/>
           <a:lstStyle/>
           <a:p>
-            <a:endParaRPr lang="en-US"/>
+            <a:endParaRPr lang="en-US" dirty="0"/>
           </a:p>
         </p:txBody>
       </p:sp>
@@ -3576,7 +3884,7 @@
               <a:rPr lang="en-US" smtClean="0"/>
               <a:t>‹#›</a:t>
             </a:fld>
-            <a:endParaRPr lang="en-US"/>
+            <a:endParaRPr lang="en-US" dirty="0"/>
           </a:p>
         </p:txBody>
       </p:sp>
@@ -3627,9 +3935,9 @@
           <a:p>
             <a:fld id="{94B1E4EC-92D8-4A33-94B0-5CDDBDDA3BE9}" type="datetimeFigureOut">
               <a:rPr lang="en-US" smtClean="0"/>
-              <a:t>12/14/15</a:t>
+              <a:t>12/14/2015</a:t>
             </a:fld>
-            <a:endParaRPr lang="en-US"/>
+            <a:endParaRPr lang="en-US" dirty="0"/>
           </a:p>
         </p:txBody>
       </p:sp>
@@ -3648,7 +3956,7 @@
           <a:bodyPr/>
           <a:lstStyle/>
           <a:p>
-            <a:endParaRPr lang="en-US"/>
+            <a:endParaRPr lang="en-US" dirty="0"/>
           </a:p>
         </p:txBody>
       </p:sp>
@@ -3671,7 +3979,7 @@
               <a:rPr lang="en-US" smtClean="0"/>
               <a:t>‹#›</a:t>
             </a:fld>
-            <a:endParaRPr lang="en-US"/>
+            <a:endParaRPr lang="en-US" dirty="0"/>
           </a:p>
         </p:txBody>
       </p:sp>
@@ -3904,9 +4212,9 @@
           <a:p>
             <a:fld id="{94B1E4EC-92D8-4A33-94B0-5CDDBDDA3BE9}" type="datetimeFigureOut">
               <a:rPr lang="en-US" smtClean="0"/>
-              <a:t>12/14/15</a:t>
+              <a:t>12/14/2015</a:t>
             </a:fld>
-            <a:endParaRPr lang="en-US"/>
+            <a:endParaRPr lang="en-US" dirty="0"/>
           </a:p>
         </p:txBody>
       </p:sp>
@@ -3925,7 +4233,7 @@
           <a:bodyPr/>
           <a:lstStyle/>
           <a:p>
-            <a:endParaRPr lang="en-US"/>
+            <a:endParaRPr lang="en-US" dirty="0"/>
           </a:p>
         </p:txBody>
       </p:sp>
@@ -3948,7 +4256,7 @@
               <a:rPr lang="en-US" smtClean="0"/>
               <a:t>‹#›</a:t>
             </a:fld>
-            <a:endParaRPr lang="en-US"/>
+            <a:endParaRPr lang="en-US" dirty="0"/>
           </a:p>
         </p:txBody>
       </p:sp>
@@ -4072,7 +4380,7 @@
           </a:lstStyle>
           <a:p>
             <a:r>
-              <a:rPr lang="en-US" smtClean="0"/>
+              <a:rPr lang="en-US" dirty="0" smtClean="0"/>
               <a:t>Click icon to add picture</a:t>
             </a:r>
             <a:endParaRPr lang="en-US" dirty="0"/>
@@ -4161,9 +4469,9 @@
           <a:p>
             <a:fld id="{94B1E4EC-92D8-4A33-94B0-5CDDBDDA3BE9}" type="datetimeFigureOut">
               <a:rPr lang="en-US" smtClean="0"/>
-              <a:t>12/14/15</a:t>
+              <a:t>12/14/2015</a:t>
             </a:fld>
-            <a:endParaRPr lang="en-US"/>
+            <a:endParaRPr lang="en-US" dirty="0"/>
           </a:p>
         </p:txBody>
       </p:sp>
@@ -4182,7 +4490,7 @@
           <a:bodyPr/>
           <a:lstStyle/>
           <a:p>
-            <a:endParaRPr lang="en-US"/>
+            <a:endParaRPr lang="en-US" dirty="0"/>
           </a:p>
         </p:txBody>
       </p:sp>
@@ -4205,7 +4513,7 @@
               <a:rPr lang="en-US" smtClean="0"/>
               <a:t>‹#›</a:t>
             </a:fld>
-            <a:endParaRPr lang="en-US"/>
+            <a:endParaRPr lang="en-US" dirty="0"/>
           </a:p>
         </p:txBody>
       </p:sp>
@@ -4374,9 +4682,9 @@
           <a:p>
             <a:fld id="{94B1E4EC-92D8-4A33-94B0-5CDDBDDA3BE9}" type="datetimeFigureOut">
               <a:rPr lang="en-US" smtClean="0"/>
-              <a:t>12/14/15</a:t>
+              <a:t>12/14/2015</a:t>
             </a:fld>
-            <a:endParaRPr lang="en-US"/>
+            <a:endParaRPr lang="en-US" dirty="0"/>
           </a:p>
         </p:txBody>
       </p:sp>
@@ -4413,7 +4721,7 @@
             </a:lvl1pPr>
           </a:lstStyle>
           <a:p>
-            <a:endParaRPr lang="en-US"/>
+            <a:endParaRPr lang="en-US" dirty="0"/>
           </a:p>
         </p:txBody>
       </p:sp>
@@ -4454,7 +4762,7 @@
               <a:rPr lang="en-US" smtClean="0"/>
               <a:t>‹#›</a:t>
             </a:fld>
-            <a:endParaRPr lang="en-US"/>
+            <a:endParaRPr lang="en-US" dirty="0"/>
           </a:p>
         </p:txBody>
       </p:sp>
@@ -4978,13 +5286,6 @@
   <p:clrMapOvr>
     <a:masterClrMapping/>
   </p:clrMapOvr>
-  <p:timing>
-    <p:tnLst>
-      <p:par>
-        <p:cTn id="1" dur="indefinite" restart="never" nodeType="tmRoot"/>
-      </p:par>
-    </p:tnLst>
-  </p:timing>
 </p:sld>
 </file>
 
@@ -5555,7 +5856,7 @@
           <p:nvPr/>
         </p:nvPicPr>
         <p:blipFill rotWithShape="1">
-          <a:blip r:embed="rId4">
+          <a:blip r:embed="rId4" cstate="print">
             <a:extLst>
               <a:ext uri="{28A0092B-C50C-407E-A947-70E740481C1C}">
                 <a14:useLocalDpi xmlns:a14="http://schemas.microsoft.com/office/drawing/2010/main" val="0"/>
@@ -5585,13 +5886,6 @@
   <p:clrMapOvr>
     <a:masterClrMapping/>
   </p:clrMapOvr>
-  <p:timing>
-    <p:tnLst>
-      <p:par>
-        <p:cTn id="1" dur="indefinite" restart="never" nodeType="tmRoot"/>
-      </p:par>
-    </p:tnLst>
-  </p:timing>
 </p:sld>
 </file>
 
@@ -6340,7 +6634,7 @@
           <p:nvPr/>
         </p:nvPicPr>
         <p:blipFill rotWithShape="1">
-          <a:blip r:embed="rId4">
+          <a:blip r:embed="rId4" cstate="print">
             <a:extLst>
               <a:ext uri="{28A0092B-C50C-407E-A947-70E740481C1C}">
                 <a14:useLocalDpi xmlns:a14="http://schemas.microsoft.com/office/drawing/2010/main" val="0"/>
@@ -6370,13 +6664,6 @@
   <p:clrMapOvr>
     <a:masterClrMapping/>
   </p:clrMapOvr>
-  <p:timing>
-    <p:tnLst>
-      <p:par>
-        <p:cTn id="1" dur="indefinite" restart="never" nodeType="tmRoot"/>
-      </p:par>
-    </p:tnLst>
-  </p:timing>
 </p:sld>
 </file>
 
@@ -6399,6 +6686,759 @@
       </p:grpSpPr>
       <p:sp>
         <p:nvSpPr>
+          <p:cNvPr id="4" name="TextBox 3"/>
+          <p:cNvSpPr txBox="1"/>
+          <p:nvPr/>
+        </p:nvSpPr>
+        <p:spPr>
+          <a:xfrm>
+            <a:off x="312057" y="560755"/>
+            <a:ext cx="2908168" cy="923330"/>
+          </a:xfrm>
+          <a:prstGeom prst="rect">
+            <a:avLst/>
+          </a:prstGeom>
+          <a:noFill/>
+        </p:spPr>
+        <p:txBody>
+          <a:bodyPr wrap="none" rtlCol="0">
+            <a:spAutoFit/>
+          </a:bodyPr>
+          <a:lstStyle/>
+          <a:p>
+            <a:r>
+              <a:rPr lang="en-US" sz="5400" dirty="0" smtClean="0">
+                <a:solidFill>
+                  <a:schemeClr val="bg1"/>
+                </a:solidFill>
+                <a:latin typeface="Cambria" pitchFamily="18" charset="0"/>
+              </a:rPr>
+              <a:t>Data </a:t>
+            </a:r>
+            <a:r>
+              <a:rPr lang="en-US" sz="5400" dirty="0" err="1" smtClean="0">
+                <a:solidFill>
+                  <a:schemeClr val="bg1"/>
+                </a:solidFill>
+                <a:latin typeface="Cambria" pitchFamily="18" charset="0"/>
+              </a:rPr>
+              <a:t>stru</a:t>
+            </a:r>
+            <a:endParaRPr lang="en-US" sz="5400" dirty="0">
+              <a:solidFill>
+                <a:schemeClr val="bg1"/>
+              </a:solidFill>
+              <a:latin typeface="Cambria" pitchFamily="18" charset="0"/>
+            </a:endParaRPr>
+          </a:p>
+        </p:txBody>
+      </p:sp>
+      <p:sp>
+        <p:nvSpPr>
+          <p:cNvPr id="7" name="Rectangle 6"/>
+          <p:cNvSpPr/>
+          <p:nvPr/>
+        </p:nvSpPr>
+        <p:spPr>
+          <a:xfrm>
+            <a:off x="1103086" y="3381829"/>
+            <a:ext cx="1436915" cy="1132114"/>
+          </a:xfrm>
+          <a:prstGeom prst="rect">
+            <a:avLst/>
+          </a:prstGeom>
+          <a:noFill/>
+          <a:ln>
+            <a:solidFill>
+              <a:schemeClr val="tx1"/>
+            </a:solidFill>
+          </a:ln>
+        </p:spPr>
+        <p:style>
+          <a:lnRef idx="2">
+            <a:schemeClr val="accent1">
+              <a:shade val="50000"/>
+            </a:schemeClr>
+          </a:lnRef>
+          <a:fillRef idx="1">
+            <a:schemeClr val="accent1"/>
+          </a:fillRef>
+          <a:effectRef idx="0">
+            <a:schemeClr val="accent1"/>
+          </a:effectRef>
+          <a:fontRef idx="minor">
+            <a:schemeClr val="lt1"/>
+          </a:fontRef>
+        </p:style>
+        <p:txBody>
+          <a:bodyPr rtlCol="0" anchor="ctr"/>
+          <a:lstStyle/>
+          <a:p>
+            <a:pPr algn="ctr"/>
+            <a:r>
+              <a:rPr lang="en-US" dirty="0" smtClean="0">
+                <a:solidFill>
+                  <a:schemeClr val="tx1"/>
+                </a:solidFill>
+              </a:rPr>
+              <a:t>Object</a:t>
+            </a:r>
+            <a:endParaRPr lang="en-US" dirty="0">
+              <a:solidFill>
+                <a:schemeClr val="tx1"/>
+              </a:solidFill>
+            </a:endParaRPr>
+          </a:p>
+        </p:txBody>
+      </p:sp>
+    </p:spTree>
+    <p:extLst>
+      <p:ext uri="{BB962C8B-B14F-4D97-AF65-F5344CB8AC3E}">
+        <p14:creationId xmlns:p14="http://schemas.microsoft.com/office/powerpoint/2010/main" val="2788642005"/>
+      </p:ext>
+    </p:extLst>
+  </p:cSld>
+  <p:clrMapOvr>
+    <a:masterClrMapping/>
+  </p:clrMapOvr>
+</p:sld>
+</file>
+
+<file path=ppt/slides/slide13.xml><?xml version="1.0" encoding="utf-8"?>
+<p:sld xmlns:a="http://schemas.openxmlformats.org/drawingml/2006/main" xmlns:r="http://schemas.openxmlformats.org/officeDocument/2006/relationships" xmlns:p="http://schemas.openxmlformats.org/presentationml/2006/main">
+  <p:cSld>
+    <p:spTree>
+      <p:nvGrpSpPr>
+        <p:cNvPr id="1" name=""/>
+        <p:cNvGrpSpPr/>
+        <p:nvPr/>
+      </p:nvGrpSpPr>
+      <p:grpSpPr>
+        <a:xfrm>
+          <a:off x="0" y="0"/>
+          <a:ext cx="0" cy="0"/>
+          <a:chOff x="0" y="0"/>
+          <a:chExt cx="0" cy="0"/>
+        </a:xfrm>
+      </p:grpSpPr>
+      <p:sp>
+        <p:nvSpPr>
+          <p:cNvPr id="4" name="TextBox 3"/>
+          <p:cNvSpPr txBox="1"/>
+          <p:nvPr/>
+        </p:nvSpPr>
+        <p:spPr>
+          <a:xfrm>
+            <a:off x="312057" y="560755"/>
+            <a:ext cx="5332294" cy="923330"/>
+          </a:xfrm>
+          <a:prstGeom prst="rect">
+            <a:avLst/>
+          </a:prstGeom>
+          <a:noFill/>
+        </p:spPr>
+        <p:txBody>
+          <a:bodyPr wrap="none" rtlCol="0">
+            <a:spAutoFit/>
+          </a:bodyPr>
+          <a:lstStyle/>
+          <a:p>
+            <a:r>
+              <a:rPr lang="en-US" sz="5400" dirty="0" smtClean="0">
+                <a:solidFill>
+                  <a:schemeClr val="bg1"/>
+                </a:solidFill>
+                <a:latin typeface="Cambria" pitchFamily="18" charset="0"/>
+              </a:rPr>
+              <a:t>Synchronize Data</a:t>
+            </a:r>
+            <a:endParaRPr lang="en-US" sz="5400" dirty="0">
+              <a:solidFill>
+                <a:schemeClr val="bg1"/>
+              </a:solidFill>
+              <a:latin typeface="Cambria" pitchFamily="18" charset="0"/>
+            </a:endParaRPr>
+          </a:p>
+        </p:txBody>
+      </p:sp>
+      <p:sp>
+        <p:nvSpPr>
+          <p:cNvPr id="7" name="Rectangle 6"/>
+          <p:cNvSpPr/>
+          <p:nvPr/>
+        </p:nvSpPr>
+        <p:spPr>
+          <a:xfrm>
+            <a:off x="1248229" y="2249715"/>
+            <a:ext cx="1436915" cy="1132114"/>
+          </a:xfrm>
+          <a:prstGeom prst="rect">
+            <a:avLst/>
+          </a:prstGeom>
+          <a:noFill/>
+          <a:ln>
+            <a:solidFill>
+              <a:schemeClr val="tx1"/>
+            </a:solidFill>
+          </a:ln>
+        </p:spPr>
+        <p:style>
+          <a:lnRef idx="2">
+            <a:schemeClr val="accent1">
+              <a:shade val="50000"/>
+            </a:schemeClr>
+          </a:lnRef>
+          <a:fillRef idx="1">
+            <a:schemeClr val="accent1"/>
+          </a:fillRef>
+          <a:effectRef idx="0">
+            <a:schemeClr val="accent1"/>
+          </a:effectRef>
+          <a:fontRef idx="minor">
+            <a:schemeClr val="lt1"/>
+          </a:fontRef>
+        </p:style>
+        <p:txBody>
+          <a:bodyPr rtlCol="0" anchor="ctr"/>
+          <a:lstStyle/>
+          <a:p>
+            <a:pPr algn="ctr"/>
+            <a:r>
+              <a:rPr lang="en-US" dirty="0" smtClean="0">
+                <a:solidFill>
+                  <a:schemeClr val="tx1"/>
+                </a:solidFill>
+              </a:rPr>
+              <a:t>Object</a:t>
+            </a:r>
+            <a:endParaRPr lang="en-US" dirty="0">
+              <a:solidFill>
+                <a:schemeClr val="tx1"/>
+              </a:solidFill>
+            </a:endParaRPr>
+          </a:p>
+        </p:txBody>
+      </p:sp>
+      <p:sp>
+        <p:nvSpPr>
+          <p:cNvPr id="5" name="Rectangle 4"/>
+          <p:cNvSpPr/>
+          <p:nvPr/>
+        </p:nvSpPr>
+        <p:spPr>
+          <a:xfrm>
+            <a:off x="5072743" y="2249715"/>
+            <a:ext cx="1436915" cy="1132114"/>
+          </a:xfrm>
+          <a:prstGeom prst="rect">
+            <a:avLst/>
+          </a:prstGeom>
+          <a:noFill/>
+          <a:ln>
+            <a:solidFill>
+              <a:schemeClr val="tx1"/>
+            </a:solidFill>
+          </a:ln>
+        </p:spPr>
+        <p:style>
+          <a:lnRef idx="2">
+            <a:schemeClr val="accent1">
+              <a:shade val="50000"/>
+            </a:schemeClr>
+          </a:lnRef>
+          <a:fillRef idx="1">
+            <a:schemeClr val="accent1"/>
+          </a:fillRef>
+          <a:effectRef idx="0">
+            <a:schemeClr val="accent1"/>
+          </a:effectRef>
+          <a:fontRef idx="minor">
+            <a:schemeClr val="lt1"/>
+          </a:fontRef>
+        </p:style>
+        <p:txBody>
+          <a:bodyPr rtlCol="0" anchor="ctr"/>
+          <a:lstStyle/>
+          <a:p>
+            <a:pPr algn="ctr"/>
+            <a:r>
+              <a:rPr lang="en-US" dirty="0" err="1" smtClean="0">
+                <a:solidFill>
+                  <a:schemeClr val="tx1"/>
+                </a:solidFill>
+              </a:rPr>
+              <a:t>DataMap</a:t>
+            </a:r>
+            <a:endParaRPr lang="en-US" dirty="0">
+              <a:solidFill>
+                <a:schemeClr val="tx1"/>
+              </a:solidFill>
+            </a:endParaRPr>
+          </a:p>
+        </p:txBody>
+      </p:sp>
+      <p:cxnSp>
+        <p:nvCxnSpPr>
+          <p:cNvPr id="3" name="Straight Arrow Connector 2"/>
+          <p:cNvCxnSpPr>
+            <a:stCxn id="7" idx="3"/>
+            <a:endCxn id="5" idx="1"/>
+          </p:cNvCxnSpPr>
+          <p:nvPr/>
+        </p:nvCxnSpPr>
+        <p:spPr>
+          <a:xfrm>
+            <a:off x="2685144" y="2815772"/>
+            <a:ext cx="2387599" cy="0"/>
+          </a:xfrm>
+          <a:prstGeom prst="straightConnector1">
+            <a:avLst/>
+          </a:prstGeom>
+          <a:ln w="28575">
+            <a:solidFill>
+              <a:schemeClr val="tx1"/>
+            </a:solidFill>
+            <a:tailEnd type="triangle"/>
+          </a:ln>
+        </p:spPr>
+        <p:style>
+          <a:lnRef idx="1">
+            <a:schemeClr val="accent1"/>
+          </a:lnRef>
+          <a:fillRef idx="0">
+            <a:schemeClr val="accent1"/>
+          </a:fillRef>
+          <a:effectRef idx="0">
+            <a:schemeClr val="accent1"/>
+          </a:effectRef>
+          <a:fontRef idx="minor">
+            <a:schemeClr val="tx1"/>
+          </a:fontRef>
+        </p:style>
+      </p:cxnSp>
+      <p:sp>
+        <p:nvSpPr>
+          <p:cNvPr id="6" name="Rectangle 1"/>
+          <p:cNvSpPr>
+            <a:spLocks noChangeArrowheads="1"/>
+          </p:cNvSpPr>
+          <p:nvPr/>
+        </p:nvSpPr>
+        <p:spPr bwMode="auto">
+          <a:xfrm>
+            <a:off x="732971" y="3547295"/>
+            <a:ext cx="7162800" cy="1200329"/>
+          </a:xfrm>
+          <a:prstGeom prst="rect">
+            <a:avLst/>
+          </a:prstGeom>
+          <a:solidFill>
+            <a:srgbClr val="FFFFFF"/>
+          </a:solidFill>
+          <a:ln>
+            <a:noFill/>
+          </a:ln>
+          <a:effectLst/>
+          <a:extLst>
+            <a:ext uri="{91240B29-F687-4F45-9708-019B960494DF}">
+              <a14:hiddenLine xmlns:a14="http://schemas.microsoft.com/office/drawing/2010/main" w="9525">
+                <a:solidFill>
+                  <a:schemeClr val="tx1"/>
+                </a:solidFill>
+                <a:miter lim="800000"/>
+                <a:headEnd/>
+                <a:tailEnd/>
+              </a14:hiddenLine>
+            </a:ext>
+            <a:ext uri="{AF507438-7753-43E0-B8FC-AC1667EBCBE1}">
+              <a14:hiddenEffects xmlns:a14="http://schemas.microsoft.com/office/drawing/2010/main">
+                <a:effectLst>
+                  <a:outerShdw dist="35921" dir="2700000" algn="ctr" rotWithShape="0">
+                    <a:schemeClr val="bg2"/>
+                  </a:outerShdw>
+                </a:effectLst>
+              </a14:hiddenEffects>
+            </a:ext>
+          </a:extLst>
+        </p:spPr>
+        <p:txBody>
+          <a:bodyPr vert="horz" wrap="square" lIns="91440" tIns="45720" rIns="91440" bIns="45720" numCol="1" anchor="ctr" anchorCtr="0" compatLnSpc="1">
+            <a:prstTxWarp prst="textNoShape">
+              <a:avLst/>
+            </a:prstTxWarp>
+            <a:spAutoFit/>
+          </a:bodyPr>
+          <a:lstStyle/>
+          <a:p>
+            <a:pPr marL="0" marR="0" lvl="0" indent="0" algn="l" defTabSz="914400" rtl="0" eaLnBrk="0" fontAlgn="base" latinLnBrk="0" hangingPunct="0">
+              <a:lnSpc>
+                <a:spcPct val="100000"/>
+              </a:lnSpc>
+              <a:spcBef>
+                <a:spcPct val="0"/>
+              </a:spcBef>
+              <a:spcAft>
+                <a:spcPct val="0"/>
+              </a:spcAft>
+              <a:buClrTx/>
+              <a:buSzTx/>
+              <a:buFontTx/>
+              <a:buNone/>
+              <a:tabLst/>
+            </a:pPr>
+            <a:r>
+              <a:rPr kumimoji="0" lang="en-US" altLang="en-US" b="0" i="0" u="none" strike="noStrike" cap="none" normalizeH="0" baseline="0" dirty="0" err="1" smtClean="0">
+                <a:ln>
+                  <a:noFill/>
+                </a:ln>
+                <a:solidFill>
+                  <a:srgbClr val="000000"/>
+                </a:solidFill>
+                <a:effectLst/>
+                <a:latin typeface="Courier New" panose="02070309020205020404" pitchFamily="49" charset="0"/>
+                <a:cs typeface="Courier New" panose="02070309020205020404" pitchFamily="49" charset="0"/>
+              </a:rPr>
+              <a:t>DataMap</a:t>
+            </a:r>
+            <a:r>
+              <a:rPr kumimoji="0" lang="en-US" altLang="en-US" b="0" i="0" u="none" strike="noStrike" cap="none" normalizeH="0" baseline="0" dirty="0" smtClean="0">
+                <a:ln>
+                  <a:noFill/>
+                </a:ln>
+                <a:solidFill>
+                  <a:srgbClr val="000000"/>
+                </a:solidFill>
+                <a:effectLst/>
+                <a:latin typeface="Courier New" panose="02070309020205020404" pitchFamily="49" charset="0"/>
+                <a:cs typeface="Courier New" panose="02070309020205020404" pitchFamily="49" charset="0"/>
+              </a:rPr>
+              <a:t> </a:t>
+            </a:r>
+            <a:r>
+              <a:rPr kumimoji="0" lang="en-US" altLang="en-US" b="0" i="0" u="none" strike="noStrike" cap="none" normalizeH="0" baseline="0" dirty="0" err="1" smtClean="0">
+                <a:ln>
+                  <a:noFill/>
+                </a:ln>
+                <a:solidFill>
+                  <a:srgbClr val="000000"/>
+                </a:solidFill>
+                <a:effectLst/>
+                <a:latin typeface="Courier New" panose="02070309020205020404" pitchFamily="49" charset="0"/>
+                <a:cs typeface="Courier New" panose="02070309020205020404" pitchFamily="49" charset="0"/>
+              </a:rPr>
+              <a:t>dataMap</a:t>
+            </a:r>
+            <a:r>
+              <a:rPr kumimoji="0" lang="en-US" altLang="en-US" b="0" i="0" u="none" strike="noStrike" cap="none" normalizeH="0" baseline="0" dirty="0" smtClean="0">
+                <a:ln>
+                  <a:noFill/>
+                </a:ln>
+                <a:solidFill>
+                  <a:srgbClr val="000000"/>
+                </a:solidFill>
+                <a:effectLst/>
+                <a:latin typeface="Courier New" panose="02070309020205020404" pitchFamily="49" charset="0"/>
+                <a:cs typeface="Courier New" panose="02070309020205020404" pitchFamily="49" charset="0"/>
+              </a:rPr>
+              <a:t> = </a:t>
+            </a:r>
+            <a:r>
+              <a:rPr kumimoji="0" lang="en-US" altLang="en-US" b="1" i="0" u="none" strike="noStrike" cap="none" normalizeH="0" baseline="0" dirty="0" smtClean="0">
+                <a:ln>
+                  <a:noFill/>
+                </a:ln>
+                <a:solidFill>
+                  <a:srgbClr val="000080"/>
+                </a:solidFill>
+                <a:effectLst/>
+                <a:latin typeface="Courier New" panose="02070309020205020404" pitchFamily="49" charset="0"/>
+                <a:cs typeface="Courier New" panose="02070309020205020404" pitchFamily="49" charset="0"/>
+              </a:rPr>
+              <a:t>new </a:t>
+            </a:r>
+            <a:r>
+              <a:rPr kumimoji="0" lang="en-US" altLang="en-US" b="0" i="0" u="none" strike="noStrike" cap="none" normalizeH="0" baseline="0" dirty="0" err="1" smtClean="0">
+                <a:ln>
+                  <a:noFill/>
+                </a:ln>
+                <a:solidFill>
+                  <a:srgbClr val="000000"/>
+                </a:solidFill>
+                <a:effectLst/>
+                <a:latin typeface="Courier New" panose="02070309020205020404" pitchFamily="49" charset="0"/>
+                <a:cs typeface="Courier New" panose="02070309020205020404" pitchFamily="49" charset="0"/>
+              </a:rPr>
+              <a:t>DataMap</a:t>
+            </a:r>
+            <a:r>
+              <a:rPr kumimoji="0" lang="en-US" altLang="en-US" b="0" i="0" u="none" strike="noStrike" cap="none" normalizeH="0" baseline="0" dirty="0" smtClean="0">
+                <a:ln>
+                  <a:noFill/>
+                </a:ln>
+                <a:solidFill>
+                  <a:srgbClr val="000000"/>
+                </a:solidFill>
+                <a:effectLst/>
+                <a:latin typeface="Courier New" panose="02070309020205020404" pitchFamily="49" charset="0"/>
+                <a:cs typeface="Courier New" panose="02070309020205020404" pitchFamily="49" charset="0"/>
+              </a:rPr>
+              <a:t>();</a:t>
+            </a:r>
+            <a:br>
+              <a:rPr kumimoji="0" lang="en-US" altLang="en-US" b="0" i="0" u="none" strike="noStrike" cap="none" normalizeH="0" baseline="0" dirty="0" smtClean="0">
+                <a:ln>
+                  <a:noFill/>
+                </a:ln>
+                <a:solidFill>
+                  <a:srgbClr val="000000"/>
+                </a:solidFill>
+                <a:effectLst/>
+                <a:latin typeface="Courier New" panose="02070309020205020404" pitchFamily="49" charset="0"/>
+                <a:cs typeface="Courier New" panose="02070309020205020404" pitchFamily="49" charset="0"/>
+              </a:rPr>
+            </a:br>
+            <a:r>
+              <a:rPr kumimoji="0" lang="en-US" altLang="en-US" b="0" i="0" u="none" strike="noStrike" cap="none" normalizeH="0" baseline="0" dirty="0" err="1" smtClean="0">
+                <a:ln>
+                  <a:noFill/>
+                </a:ln>
+                <a:solidFill>
+                  <a:srgbClr val="000000"/>
+                </a:solidFill>
+                <a:effectLst/>
+                <a:latin typeface="Courier New" panose="02070309020205020404" pitchFamily="49" charset="0"/>
+                <a:cs typeface="Courier New" panose="02070309020205020404" pitchFamily="49" charset="0"/>
+              </a:rPr>
+              <a:t>dataMap.putString</a:t>
+            </a:r>
+            <a:r>
+              <a:rPr kumimoji="0" lang="en-US" altLang="en-US" b="0" i="0" u="none" strike="noStrike" cap="none" normalizeH="0" baseline="0" dirty="0" smtClean="0">
+                <a:ln>
+                  <a:noFill/>
+                </a:ln>
+                <a:solidFill>
+                  <a:srgbClr val="000000"/>
+                </a:solidFill>
+                <a:effectLst/>
+                <a:latin typeface="Courier New" panose="02070309020205020404" pitchFamily="49" charset="0"/>
+                <a:cs typeface="Courier New" panose="02070309020205020404" pitchFamily="49" charset="0"/>
+              </a:rPr>
+              <a:t>(</a:t>
+            </a:r>
+            <a:r>
+              <a:rPr kumimoji="0" lang="en-US" altLang="en-US" b="1" i="0" u="none" strike="noStrike" cap="none" normalizeH="0" baseline="0" dirty="0" smtClean="0">
+                <a:ln>
+                  <a:noFill/>
+                </a:ln>
+                <a:solidFill>
+                  <a:srgbClr val="008000"/>
+                </a:solidFill>
+                <a:effectLst/>
+                <a:latin typeface="Courier New" panose="02070309020205020404" pitchFamily="49" charset="0"/>
+                <a:cs typeface="Courier New" panose="02070309020205020404" pitchFamily="49" charset="0"/>
+              </a:rPr>
+              <a:t>"</a:t>
+            </a:r>
+            <a:r>
+              <a:rPr kumimoji="0" lang="en-US" altLang="en-US" b="1" i="0" u="none" strike="noStrike" cap="none" normalizeH="0" baseline="0" dirty="0" err="1" smtClean="0">
+                <a:ln>
+                  <a:noFill/>
+                </a:ln>
+                <a:solidFill>
+                  <a:srgbClr val="008000"/>
+                </a:solidFill>
+                <a:effectLst/>
+                <a:latin typeface="Courier New" panose="02070309020205020404" pitchFamily="49" charset="0"/>
+                <a:cs typeface="Courier New" panose="02070309020205020404" pitchFamily="49" charset="0"/>
+              </a:rPr>
+              <a:t>start_location</a:t>
+            </a:r>
+            <a:r>
+              <a:rPr kumimoji="0" lang="en-US" altLang="en-US" b="1" i="0" u="none" strike="noStrike" cap="none" normalizeH="0" baseline="0" dirty="0" smtClean="0">
+                <a:ln>
+                  <a:noFill/>
+                </a:ln>
+                <a:solidFill>
+                  <a:srgbClr val="008000"/>
+                </a:solidFill>
+                <a:effectLst/>
+                <a:latin typeface="Courier New" panose="02070309020205020404" pitchFamily="49" charset="0"/>
+                <a:cs typeface="Courier New" panose="02070309020205020404" pitchFamily="49" charset="0"/>
+              </a:rPr>
+              <a:t>"</a:t>
+            </a:r>
+            <a:r>
+              <a:rPr kumimoji="0" lang="en-US" altLang="en-US" b="0" i="0" u="none" strike="noStrike" cap="none" normalizeH="0" baseline="0" dirty="0" smtClean="0">
+                <a:ln>
+                  <a:noFill/>
+                </a:ln>
+                <a:solidFill>
+                  <a:srgbClr val="000000"/>
+                </a:solidFill>
+                <a:effectLst/>
+                <a:latin typeface="Courier New" panose="02070309020205020404" pitchFamily="49" charset="0"/>
+                <a:cs typeface="Courier New" panose="02070309020205020404" pitchFamily="49" charset="0"/>
+              </a:rPr>
+              <a:t>, “</a:t>
+            </a:r>
+            <a:r>
+              <a:rPr kumimoji="0" lang="en-US" altLang="en-US" b="0" i="0" u="none" strike="noStrike" cap="none" normalizeH="0" baseline="0" dirty="0" err="1" smtClean="0">
+                <a:ln>
+                  <a:noFill/>
+                </a:ln>
+                <a:solidFill>
+                  <a:srgbClr val="000000"/>
+                </a:solidFill>
+                <a:effectLst/>
+                <a:latin typeface="Courier New" panose="02070309020205020404" pitchFamily="49" charset="0"/>
+                <a:cs typeface="Courier New" panose="02070309020205020404" pitchFamily="49" charset="0"/>
+              </a:rPr>
+              <a:t>sdasdasdasd</a:t>
+            </a:r>
+            <a:r>
+              <a:rPr kumimoji="0" lang="en-US" altLang="en-US" b="0" i="0" u="none" strike="noStrike" cap="none" normalizeH="0" baseline="0" dirty="0" smtClean="0">
+                <a:ln>
+                  <a:noFill/>
+                </a:ln>
+                <a:solidFill>
+                  <a:srgbClr val="000000"/>
+                </a:solidFill>
+                <a:effectLst/>
+                <a:latin typeface="Courier New" panose="02070309020205020404" pitchFamily="49" charset="0"/>
+                <a:cs typeface="Courier New" panose="02070309020205020404" pitchFamily="49" charset="0"/>
+              </a:rPr>
+              <a:t>”);</a:t>
+            </a:r>
+          </a:p>
+          <a:p>
+            <a:pPr marL="0" marR="0" lvl="0" indent="0" algn="l" defTabSz="914400" rtl="0" eaLnBrk="0" fontAlgn="base" latinLnBrk="0" hangingPunct="0">
+              <a:lnSpc>
+                <a:spcPct val="100000"/>
+              </a:lnSpc>
+              <a:spcBef>
+                <a:spcPct val="0"/>
+              </a:spcBef>
+              <a:spcAft>
+                <a:spcPct val="0"/>
+              </a:spcAft>
+              <a:buClrTx/>
+              <a:buSzTx/>
+              <a:buFontTx/>
+              <a:buNone/>
+              <a:tabLst/>
+            </a:pPr>
+            <a:endParaRPr lang="en-US" altLang="en-US" dirty="0">
+              <a:solidFill>
+                <a:srgbClr val="000000"/>
+              </a:solidFill>
+              <a:latin typeface="Courier New" panose="02070309020205020404" pitchFamily="49" charset="0"/>
+              <a:cs typeface="Courier New" panose="02070309020205020404" pitchFamily="49" charset="0"/>
+            </a:endParaRPr>
+          </a:p>
+          <a:p>
+            <a:pPr marL="0" marR="0" lvl="0" indent="0" algn="l" defTabSz="914400" rtl="0" eaLnBrk="0" fontAlgn="base" latinLnBrk="0" hangingPunct="0">
+              <a:lnSpc>
+                <a:spcPct val="100000"/>
+              </a:lnSpc>
+              <a:spcBef>
+                <a:spcPct val="0"/>
+              </a:spcBef>
+              <a:spcAft>
+                <a:spcPct val="0"/>
+              </a:spcAft>
+              <a:buClrTx/>
+              <a:buSzTx/>
+              <a:buFontTx/>
+              <a:buNone/>
+              <a:tabLst/>
+            </a:pPr>
+            <a:r>
+              <a:rPr kumimoji="0" lang="en-US" altLang="en-US" b="0" i="0" u="none" strike="noStrike" cap="none" normalizeH="0" baseline="0" dirty="0" smtClean="0">
+                <a:ln>
+                  <a:noFill/>
+                </a:ln>
+                <a:solidFill>
+                  <a:srgbClr val="000000"/>
+                </a:solidFill>
+                <a:effectLst/>
+                <a:latin typeface="Courier New" panose="02070309020205020404" pitchFamily="49" charset="0"/>
+                <a:cs typeface="Courier New" panose="02070309020205020404" pitchFamily="49" charset="0"/>
+              </a:rPr>
+              <a:t>“name” =&gt; “Huynh </a:t>
+            </a:r>
+            <a:r>
+              <a:rPr kumimoji="0" lang="en-US" altLang="en-US" b="0" i="0" u="none" strike="noStrike" cap="none" normalizeH="0" baseline="0" dirty="0" err="1" smtClean="0">
+                <a:ln>
+                  <a:noFill/>
+                </a:ln>
+                <a:solidFill>
+                  <a:srgbClr val="000000"/>
+                </a:solidFill>
+                <a:effectLst/>
+                <a:latin typeface="Courier New" panose="02070309020205020404" pitchFamily="49" charset="0"/>
+                <a:cs typeface="Courier New" panose="02070309020205020404" pitchFamily="49" charset="0"/>
+              </a:rPr>
+              <a:t>Quang</a:t>
+            </a:r>
+            <a:r>
+              <a:rPr kumimoji="0" lang="en-US" altLang="en-US" b="0" i="0" u="none" strike="noStrike" cap="none" normalizeH="0" baseline="0" dirty="0" smtClean="0">
+                <a:ln>
+                  <a:noFill/>
+                </a:ln>
+                <a:solidFill>
+                  <a:srgbClr val="000000"/>
+                </a:solidFill>
+                <a:effectLst/>
+                <a:latin typeface="Courier New" panose="02070309020205020404" pitchFamily="49" charset="0"/>
+                <a:cs typeface="Courier New" panose="02070309020205020404" pitchFamily="49" charset="0"/>
+              </a:rPr>
+              <a:t> Thao”</a:t>
+            </a:r>
+            <a:endParaRPr kumimoji="0" lang="en-US" altLang="en-US" b="0" i="0" u="none" strike="noStrike" cap="none" normalizeH="0" baseline="0" dirty="0" smtClean="0">
+              <a:ln>
+                <a:noFill/>
+              </a:ln>
+              <a:solidFill>
+                <a:schemeClr val="tx1"/>
+              </a:solidFill>
+              <a:effectLst/>
+              <a:latin typeface="Arial" panose="020B0604020202020204" pitchFamily="34" charset="0"/>
+            </a:endParaRPr>
+          </a:p>
+        </p:txBody>
+      </p:sp>
+    </p:spTree>
+    <p:extLst>
+      <p:ext uri="{BB962C8B-B14F-4D97-AF65-F5344CB8AC3E}">
+        <p14:creationId xmlns:p14="http://schemas.microsoft.com/office/powerpoint/2010/main" val="2172468938"/>
+      </p:ext>
+    </p:extLst>
+  </p:cSld>
+  <p:clrMapOvr>
+    <a:masterClrMapping/>
+  </p:clrMapOvr>
+</p:sld>
+</file>
+
+<file path=ppt/slides/slide14.xml><?xml version="1.0" encoding="utf-8"?>
+<p:sld xmlns:a="http://schemas.openxmlformats.org/drawingml/2006/main" xmlns:r="http://schemas.openxmlformats.org/officeDocument/2006/relationships" xmlns:p="http://schemas.openxmlformats.org/presentationml/2006/main">
+  <p:cSld>
+    <p:spTree>
+      <p:nvGrpSpPr>
+        <p:cNvPr id="1" name=""/>
+        <p:cNvGrpSpPr/>
+        <p:nvPr/>
+      </p:nvGrpSpPr>
+      <p:grpSpPr>
+        <a:xfrm>
+          <a:off x="0" y="0"/>
+          <a:ext cx="0" cy="0"/>
+          <a:chOff x="0" y="0"/>
+          <a:chExt cx="0" cy="0"/>
+        </a:xfrm>
+      </p:grpSpPr>
+      <p:sp>
+        <p:nvSpPr>
           <p:cNvPr id="4" name="Slide Number Placeholder 3"/>
           <p:cNvSpPr>
             <a:spLocks noGrp="1"/>
@@ -6419,7 +7459,7 @@
                 </a:solidFill>
               </a:rPr>
               <a:pPr/>
-              <a:t>12</a:t>
+              <a:t>14</a:t>
             </a:fld>
             <a:endParaRPr lang="en">
               <a:solidFill>
@@ -6695,13 +7735,6 @@
   <p:clrMapOvr>
     <a:masterClrMapping/>
   </p:clrMapOvr>
-  <p:timing>
-    <p:tnLst>
-      <p:par>
-        <p:cTn id="1" dur="indefinite" restart="never" nodeType="tmRoot"/>
-      </p:par>
-    </p:tnLst>
-  </p:timing>
 </p:sld>
 </file>
 
@@ -6843,13 +7876,6 @@
   <p:clrMapOvr>
     <a:masterClrMapping/>
   </p:clrMapOvr>
-  <p:timing>
-    <p:tnLst>
-      <p:par>
-        <p:cTn id="1" dur="indefinite" restart="never" nodeType="tmRoot"/>
-      </p:par>
-    </p:tnLst>
-  </p:timing>
 </p:sld>
 </file>
 
@@ -7130,13 +8156,6 @@
   <p:clrMapOvr>
     <a:masterClrMapping/>
   </p:clrMapOvr>
-  <p:timing>
-    <p:tnLst>
-      <p:par>
-        <p:cTn id="1" dur="indefinite" restart="never" nodeType="tmRoot"/>
-      </p:par>
-    </p:tnLst>
-  </p:timing>
 </p:sld>
 </file>
 
@@ -7601,13 +8620,6 @@
   <p:clrMapOvr>
     <a:masterClrMapping/>
   </p:clrMapOvr>
-  <p:timing>
-    <p:tnLst>
-      <p:par>
-        <p:cTn id="1" dur="indefinite" restart="never" nodeType="tmRoot"/>
-      </p:par>
-    </p:tnLst>
-  </p:timing>
 </p:sld>
 </file>
 
@@ -8193,13 +9205,6 @@
   <p:clrMapOvr>
     <a:masterClrMapping/>
   </p:clrMapOvr>
-  <p:timing>
-    <p:tnLst>
-      <p:par>
-        <p:cTn id="1" dur="indefinite" restart="never" nodeType="tmRoot"/>
-      </p:par>
-    </p:tnLst>
-  </p:timing>
 </p:sld>
 </file>
 
@@ -8879,13 +9884,6 @@
   <p:clrMapOvr>
     <a:masterClrMapping/>
   </p:clrMapOvr>
-  <p:timing>
-    <p:tnLst>
-      <p:par>
-        <p:cTn id="1" dur="indefinite" restart="never" nodeType="tmRoot"/>
-      </p:par>
-    </p:tnLst>
-  </p:timing>
 </p:sld>
 </file>
 
@@ -9360,13 +10358,6 @@
   <p:clrMapOvr>
     <a:masterClrMapping/>
   </p:clrMapOvr>
-  <p:timing>
-    <p:tnLst>
-      <p:par>
-        <p:cTn id="1" dur="indefinite" restart="never" nodeType="tmRoot"/>
-      </p:par>
-    </p:tnLst>
-  </p:timing>
 </p:sld>
 </file>
 
@@ -9777,7 +10768,7 @@
           <p:nvPr/>
         </p:nvPicPr>
         <p:blipFill rotWithShape="1">
-          <a:blip r:embed="rId4">
+          <a:blip r:embed="rId4" cstate="print">
             <a:extLst>
               <a:ext uri="{28A0092B-C50C-407E-A947-70E740481C1C}">
                 <a14:useLocalDpi xmlns:a14="http://schemas.microsoft.com/office/drawing/2010/main" val="0"/>
@@ -9807,13 +10798,6 @@
   <p:clrMapOvr>
     <a:masterClrMapping/>
   </p:clrMapOvr>
-  <p:timing>
-    <p:tnLst>
-      <p:par>
-        <p:cTn id="1" dur="indefinite" restart="never" nodeType="tmRoot"/>
-      </p:par>
-    </p:tnLst>
-  </p:timing>
 </p:sld>
 </file>
 
@@ -10303,7 +11287,7 @@
           <p:nvPr/>
         </p:nvPicPr>
         <p:blipFill rotWithShape="1">
-          <a:blip r:embed="rId4">
+          <a:blip r:embed="rId4" cstate="print">
             <a:extLst>
               <a:ext uri="{28A0092B-C50C-407E-A947-70E740481C1C}">
                 <a14:useLocalDpi xmlns:a14="http://schemas.microsoft.com/office/drawing/2010/main" val="0"/>
@@ -10333,13 +11317,6 @@
   <p:clrMapOvr>
     <a:masterClrMapping/>
   </p:clrMapOvr>
-  <p:timing>
-    <p:tnLst>
-      <p:par>
-        <p:cTn id="1" dur="indefinite" restart="never" nodeType="tmRoot"/>
-      </p:par>
-    </p:tnLst>
-  </p:timing>
 </p:sld>
 </file>
 

--- a/Document/presentation/nam/7 wear.pptx
+++ b/Document/presentation/nam/7 wear.pptx
@@ -10,7 +10,7 @@
   </p:notesMasterIdLst>
   <p:sldIdLst>
     <p:sldId id="323" r:id="rId3"/>
-    <p:sldId id="324" r:id="rId4"/>
+    <p:sldId id="367" r:id="rId4"/>
     <p:sldId id="325" r:id="rId5"/>
     <p:sldId id="338" r:id="rId6"/>
     <p:sldId id="339" r:id="rId7"/>
@@ -240,7 +240,7 @@
           <a:p>
             <a:fld id="{E6892A0F-7C57-3346-8BD8-BD37E7DB7057}" type="datetimeFigureOut">
               <a:rPr lang="en-US" smtClean="0"/>
-              <a:t>12/14/15</a:t>
+              <a:t>12/14/2015</a:t>
             </a:fld>
             <a:endParaRPr lang="en-US"/>
           </a:p>
@@ -977,7 +977,7 @@
           <a:bodyPr/>
           <a:lstStyle/>
           <a:p>
-            <a:fld id="{91FD8968-C20D-B548-8F38-158084641085}" type="slidenum">
+            <a:fld id="{2599C3E7-3278-1243-886F-92FF82204DB1}" type="slidenum">
               <a:rPr lang="en-US" smtClean="0"/>
               <a:t>2</a:t>
             </a:fld>
@@ -988,7 +988,7 @@
     </p:spTree>
     <p:extLst>
       <p:ext uri="{BB962C8B-B14F-4D97-AF65-F5344CB8AC3E}">
-        <p14:creationId xmlns:p14="http://schemas.microsoft.com/office/powerpoint/2010/main" val="132435637"/>
+        <p14:creationId xmlns:p14="http://schemas.microsoft.com/office/powerpoint/2010/main" val="107000955"/>
       </p:ext>
     </p:extLst>
   </p:cSld>
@@ -1777,7 +1777,7 @@
           <a:p>
             <a:fld id="{94B1E4EC-92D8-4A33-94B0-5CDDBDDA3BE9}" type="datetimeFigureOut">
               <a:rPr lang="en-US" smtClean="0"/>
-              <a:t>12/14/15</a:t>
+              <a:t>12/14/2015</a:t>
             </a:fld>
             <a:endParaRPr lang="en-US"/>
           </a:p>
@@ -1947,7 +1947,7 @@
           <a:p>
             <a:fld id="{94B1E4EC-92D8-4A33-94B0-5CDDBDDA3BE9}" type="datetimeFigureOut">
               <a:rPr lang="en-US" smtClean="0"/>
-              <a:t>12/14/15</a:t>
+              <a:t>12/14/2015</a:t>
             </a:fld>
             <a:endParaRPr lang="en-US"/>
           </a:p>
@@ -2127,7 +2127,7 @@
           <a:p>
             <a:fld id="{94B1E4EC-92D8-4A33-94B0-5CDDBDDA3BE9}" type="datetimeFigureOut">
               <a:rPr lang="en-US" smtClean="0"/>
-              <a:t>12/14/15</a:t>
+              <a:t>12/14/2015</a:t>
             </a:fld>
             <a:endParaRPr lang="en-US"/>
           </a:p>
@@ -2621,7 +2621,7 @@
                 </a:solidFill>
               </a:rPr>
               <a:pPr/>
-              <a:t>12/14/15</a:t>
+              <a:t>12/14/2015</a:t>
             </a:fld>
             <a:endParaRPr lang="en-US">
               <a:solidFill>
@@ -2823,7 +2823,7 @@
                 </a:solidFill>
               </a:rPr>
               <a:pPr/>
-              <a:t>12/14/15</a:t>
+              <a:t>12/14/2015</a:t>
             </a:fld>
             <a:endParaRPr lang="en-US">
               <a:solidFill>
@@ -3101,7 +3101,7 @@
                 </a:solidFill>
               </a:rPr>
               <a:pPr/>
-              <a:t>12/14/15</a:t>
+              <a:t>12/14/2015</a:t>
             </a:fld>
             <a:endParaRPr lang="en-US">
               <a:solidFill>
@@ -3365,7 +3365,7 @@
                 </a:solidFill>
               </a:rPr>
               <a:pPr/>
-              <a:t>12/14/15</a:t>
+              <a:t>12/14/2015</a:t>
             </a:fld>
             <a:endParaRPr lang="en-US">
               <a:solidFill>
@@ -3764,7 +3764,7 @@
                 </a:solidFill>
               </a:rPr>
               <a:pPr/>
-              <a:t>12/14/15</a:t>
+              <a:t>12/14/2015</a:t>
             </a:fld>
             <a:endParaRPr lang="en-US">
               <a:solidFill>
@@ -3914,7 +3914,7 @@
                 </a:solidFill>
               </a:rPr>
               <a:pPr/>
-              <a:t>12/14/15</a:t>
+              <a:t>12/14/2015</a:t>
             </a:fld>
             <a:endParaRPr lang="en-US">
               <a:solidFill>
@@ -4041,7 +4041,7 @@
                 </a:solidFill>
               </a:rPr>
               <a:pPr/>
-              <a:t>12/14/15</a:t>
+              <a:t>12/14/2015</a:t>
             </a:fld>
             <a:endParaRPr lang="en-US">
               <a:solidFill>
@@ -4236,7 +4236,7 @@
           <a:p>
             <a:fld id="{94B1E4EC-92D8-4A33-94B0-5CDDBDDA3BE9}" type="datetimeFigureOut">
               <a:rPr lang="en-US" smtClean="0"/>
-              <a:t>12/14/15</a:t>
+              <a:t>12/14/2015</a:t>
             </a:fld>
             <a:endParaRPr lang="en-US"/>
           </a:p>
@@ -4520,7 +4520,7 @@
                 </a:solidFill>
               </a:rPr>
               <a:pPr/>
-              <a:t>12/14/15</a:t>
+              <a:t>12/14/2015</a:t>
             </a:fld>
             <a:endParaRPr lang="en-US">
               <a:solidFill>
@@ -4805,7 +4805,7 @@
                 </a:solidFill>
               </a:rPr>
               <a:pPr/>
-              <a:t>12/14/15</a:t>
+              <a:t>12/14/2015</a:t>
             </a:fld>
             <a:endParaRPr lang="en-US">
               <a:solidFill>
@@ -5007,7 +5007,7 @@
                 </a:solidFill>
               </a:rPr>
               <a:pPr/>
-              <a:t>12/14/15</a:t>
+              <a:t>12/14/2015</a:t>
             </a:fld>
             <a:endParaRPr lang="en-US">
               <a:solidFill>
@@ -5219,7 +5219,7 @@
                 </a:solidFill>
               </a:rPr>
               <a:pPr/>
-              <a:t>12/14/15</a:t>
+              <a:t>12/14/2015</a:t>
             </a:fld>
             <a:endParaRPr lang="en-US">
               <a:solidFill>
@@ -5488,7 +5488,7 @@
           <a:p>
             <a:fld id="{94B1E4EC-92D8-4A33-94B0-5CDDBDDA3BE9}" type="datetimeFigureOut">
               <a:rPr lang="en-US" smtClean="0"/>
-              <a:t>12/14/15</a:t>
+              <a:t>12/14/2015</a:t>
             </a:fld>
             <a:endParaRPr lang="en-US"/>
           </a:p>
@@ -5720,7 +5720,7 @@
           <a:p>
             <a:fld id="{94B1E4EC-92D8-4A33-94B0-5CDDBDDA3BE9}" type="datetimeFigureOut">
               <a:rPr lang="en-US" smtClean="0"/>
-              <a:t>12/14/15</a:t>
+              <a:t>12/14/2015</a:t>
             </a:fld>
             <a:endParaRPr lang="en-US"/>
           </a:p>
@@ -6087,7 +6087,7 @@
           <a:p>
             <a:fld id="{94B1E4EC-92D8-4A33-94B0-5CDDBDDA3BE9}" type="datetimeFigureOut">
               <a:rPr lang="en-US" smtClean="0"/>
-              <a:t>12/14/15</a:t>
+              <a:t>12/14/2015</a:t>
             </a:fld>
             <a:endParaRPr lang="en-US"/>
           </a:p>
@@ -6205,7 +6205,7 @@
           <a:p>
             <a:fld id="{94B1E4EC-92D8-4A33-94B0-5CDDBDDA3BE9}" type="datetimeFigureOut">
               <a:rPr lang="en-US" smtClean="0"/>
-              <a:t>12/14/15</a:t>
+              <a:t>12/14/2015</a:t>
             </a:fld>
             <a:endParaRPr lang="en-US"/>
           </a:p>
@@ -6300,7 +6300,7 @@
           <a:p>
             <a:fld id="{94B1E4EC-92D8-4A33-94B0-5CDDBDDA3BE9}" type="datetimeFigureOut">
               <a:rPr lang="en-US" smtClean="0"/>
-              <a:t>12/14/15</a:t>
+              <a:t>12/14/2015</a:t>
             </a:fld>
             <a:endParaRPr lang="en-US"/>
           </a:p>
@@ -6577,7 +6577,7 @@
           <a:p>
             <a:fld id="{94B1E4EC-92D8-4A33-94B0-5CDDBDDA3BE9}" type="datetimeFigureOut">
               <a:rPr lang="en-US" smtClean="0"/>
-              <a:t>12/14/15</a:t>
+              <a:t>12/14/2015</a:t>
             </a:fld>
             <a:endParaRPr lang="en-US"/>
           </a:p>
@@ -6834,7 +6834,7 @@
           <a:p>
             <a:fld id="{94B1E4EC-92D8-4A33-94B0-5CDDBDDA3BE9}" type="datetimeFigureOut">
               <a:rPr lang="en-US" smtClean="0"/>
-              <a:t>12/14/15</a:t>
+              <a:t>12/14/2015</a:t>
             </a:fld>
             <a:endParaRPr lang="en-US"/>
           </a:p>
@@ -7047,7 +7047,7 @@
           <a:p>
             <a:fld id="{94B1E4EC-92D8-4A33-94B0-5CDDBDDA3BE9}" type="datetimeFigureOut">
               <a:rPr lang="en-US" smtClean="0"/>
-              <a:t>12/14/15</a:t>
+              <a:t>12/14/2015</a:t>
             </a:fld>
             <a:endParaRPr lang="en-US"/>
           </a:p>
@@ -7596,7 +7596,7 @@
                 </a:solidFill>
               </a:rPr>
               <a:pPr defTabSz="914400"/>
-              <a:t>12/14/15</a:t>
+              <a:t>12/14/2015</a:t>
             </a:fld>
             <a:endParaRPr lang="en-US">
               <a:solidFill>
@@ -8226,13 +8226,6 @@
   <p:clrMapOvr>
     <a:masterClrMapping/>
   </p:clrMapOvr>
-  <p:timing>
-    <p:tnLst>
-      <p:par>
-        <p:cTn id="1" dur="indefinite" restart="never" nodeType="tmRoot"/>
-      </p:par>
-    </p:tnLst>
-  </p:timing>
 </p:sld>
 </file>
 
@@ -8803,7 +8796,7 @@
           <p:nvPr/>
         </p:nvPicPr>
         <p:blipFill rotWithShape="1">
-          <a:blip r:embed="rId4">
+          <a:blip r:embed="rId4" cstate="print">
             <a:extLst>
               <a:ext uri="{28A0092B-C50C-407E-A947-70E740481C1C}">
                 <a14:useLocalDpi xmlns:a14="http://schemas.microsoft.com/office/drawing/2010/main" val="0"/>
@@ -8833,13 +8826,6 @@
   <p:clrMapOvr>
     <a:masterClrMapping/>
   </p:clrMapOvr>
-  <p:timing>
-    <p:tnLst>
-      <p:par>
-        <p:cTn id="1" dur="indefinite" restart="never" nodeType="tmRoot"/>
-      </p:par>
-    </p:tnLst>
-  </p:timing>
 </p:sld>
 </file>
 
@@ -9588,7 +9574,7 @@
           <p:nvPr/>
         </p:nvPicPr>
         <p:blipFill rotWithShape="1">
-          <a:blip r:embed="rId4">
+          <a:blip r:embed="rId4" cstate="print">
             <a:extLst>
               <a:ext uri="{28A0092B-C50C-407E-A947-70E740481C1C}">
                 <a14:useLocalDpi xmlns:a14="http://schemas.microsoft.com/office/drawing/2010/main" val="0"/>
@@ -9618,13 +9604,6 @@
   <p:clrMapOvr>
     <a:masterClrMapping/>
   </p:clrMapOvr>
-  <p:timing>
-    <p:tnLst>
-      <p:par>
-        <p:cTn id="1" dur="indefinite" restart="never" nodeType="tmRoot"/>
-      </p:par>
-    </p:tnLst>
-  </p:timing>
 </p:sld>
 </file>
 
@@ -9806,13 +9785,6 @@
   <p:clrMapOvr>
     <a:masterClrMapping/>
   </p:clrMapOvr>
-  <p:timing>
-    <p:tnLst>
-      <p:par>
-        <p:cTn id="1" dur="indefinite" restart="never" nodeType="tmRoot"/>
-      </p:par>
-    </p:tnLst>
-  </p:timing>
 </p:sld>
 </file>
 
@@ -10456,13 +10428,6 @@
   <p:clrMapOvr>
     <a:masterClrMapping/>
   </p:clrMapOvr>
-  <p:timing>
-    <p:tnLst>
-      <p:par>
-        <p:cTn id="1" dur="indefinite" restart="never" nodeType="tmRoot"/>
-      </p:par>
-    </p:tnLst>
-  </p:timing>
 </p:sld>
 </file>
 
@@ -11192,19 +11157,7 @@
                   <a:sym typeface="Arial"/>
                   <a:rtl val="0"/>
                 </a:rPr>
-                <a:t>“</a:t>
-              </a:r>
-              <a:r>
-                <a:rPr lang="vi-VN" sz="1500" kern="0" dirty="0" smtClean="0">
-                  <a:solidFill>
-                    <a:schemeClr val="tx1"/>
-                  </a:solidFill>
-                  <a:latin typeface="Cambria" pitchFamily="18" charset="0"/>
-                  <a:cs typeface="Arial"/>
-                  <a:sym typeface="Arial"/>
-                  <a:rtl val="0"/>
-                </a:rPr>
-                <a:t>Xuống trạm</a:t>
+                <a:t>“Xuống trạm</a:t>
               </a:r>
               <a:endParaRPr lang="en" sz="1500" kern="0" dirty="0" smtClean="0">
                 <a:solidFill>
@@ -11228,19 +11181,7 @@
                   <a:sym typeface="Arial"/>
                   <a:rtl val="0"/>
                 </a:rPr>
-                <a:t>“</a:t>
-              </a:r>
-              <a:r>
-                <a:rPr lang="vi-VN" sz="1500" kern="0" dirty="0" smtClean="0">
-                  <a:solidFill>
-                    <a:schemeClr val="tx1"/>
-                  </a:solidFill>
-                  <a:latin typeface="Cambria" pitchFamily="18" charset="0"/>
-                  <a:cs typeface="Arial"/>
-                  <a:sym typeface="Arial"/>
-                  <a:rtl val="0"/>
-                </a:rPr>
-                <a:t>Xuống trạm” + tên trạm </a:t>
+                <a:t>“Xuống trạm” + tên trạm </a:t>
               </a:r>
               <a:endParaRPr lang="en" sz="1500" kern="0" dirty="0" smtClean="0">
                 <a:solidFill>
@@ -11264,19 +11205,7 @@
                   <a:sym typeface="Arial"/>
                   <a:rtl val="0"/>
                 </a:rPr>
-                <a:t>“</a:t>
-              </a:r>
-              <a:r>
-                <a:rPr lang="vi-VN" sz="1500" kern="0" dirty="0" smtClean="0">
-                  <a:solidFill>
-                    <a:schemeClr val="tx1"/>
-                  </a:solidFill>
-                  <a:latin typeface="Cambria" pitchFamily="18" charset="0"/>
-                  <a:cs typeface="Arial"/>
-                  <a:sym typeface="Arial"/>
-                  <a:rtl val="0"/>
-                </a:rPr>
-                <a:t>Xuống trạm” + tên trạm</a:t>
+                <a:t>“Xuống trạm” + tên trạm</a:t>
               </a:r>
               <a:endParaRPr lang="en" sz="1500" kern="0" dirty="0" smtClean="0">
                 <a:solidFill>
@@ -11413,13 +11342,6 @@
   <p:clrMapOvr>
     <a:masterClrMapping/>
   </p:clrMapOvr>
-  <p:timing>
-    <p:tnLst>
-      <p:par>
-        <p:cTn id="1" dur="indefinite" restart="never" nodeType="tmRoot"/>
-      </p:par>
-    </p:tnLst>
-  </p:timing>
 </p:sld>
 </file>
 
@@ -12173,19 +12095,7 @@
                   <a:sym typeface="Arial"/>
                   <a:rtl val="0"/>
                 </a:rPr>
-                <a:t>“</a:t>
-              </a:r>
-              <a:r>
-                <a:rPr lang="vi-VN" sz="1500" kern="0" dirty="0" smtClean="0">
-                  <a:solidFill>
-                    <a:schemeClr val="tx1"/>
-                  </a:solidFill>
-                  <a:latin typeface="Cambria" pitchFamily="18" charset="0"/>
-                  <a:cs typeface="Arial"/>
-                  <a:sym typeface="Arial"/>
-                  <a:rtl val="0"/>
-                </a:rPr>
-                <a:t>Xuống trạm” + tên trạm </a:t>
+                <a:t>“Xuống trạm” + tên trạm </a:t>
               </a:r>
               <a:endParaRPr lang="en" sz="1500" kern="0" dirty="0" smtClean="0">
                 <a:solidFill>
@@ -12209,19 +12119,7 @@
                   <a:sym typeface="Arial"/>
                   <a:rtl val="0"/>
                 </a:rPr>
-                <a:t>“</a:t>
-              </a:r>
-              <a:r>
-                <a:rPr lang="vi-VN" sz="1500" kern="0" dirty="0" smtClean="0">
-                  <a:solidFill>
-                    <a:schemeClr val="tx1"/>
-                  </a:solidFill>
-                  <a:latin typeface="Cambria" pitchFamily="18" charset="0"/>
-                  <a:cs typeface="Arial"/>
-                  <a:sym typeface="Arial"/>
-                  <a:rtl val="0"/>
-                </a:rPr>
-                <a:t>Xuống trạm” + tên trạm</a:t>
+                <a:t>“Xuống trạm” + tên trạm</a:t>
               </a:r>
               <a:endParaRPr lang="en" sz="1500" kern="0" dirty="0" smtClean="0">
                 <a:solidFill>
@@ -12622,13 +12520,6 @@
   <p:clrMapOvr>
     <a:masterClrMapping/>
   </p:clrMapOvr>
-  <p:timing>
-    <p:tnLst>
-      <p:par>
-        <p:cTn id="1" dur="indefinite" restart="never" nodeType="tmRoot"/>
-      </p:par>
-    </p:tnLst>
-  </p:timing>
 </p:sld>
 </file>
 
@@ -13452,13 +13343,6 @@
   <p:clrMapOvr>
     <a:masterClrMapping/>
   </p:clrMapOvr>
-  <p:timing>
-    <p:tnLst>
-      <p:par>
-        <p:cTn id="1" dur="indefinite" restart="never" nodeType="tmRoot"/>
-      </p:par>
-    </p:tnLst>
-  </p:timing>
 </p:sld>
 </file>
 
@@ -14585,13 +14469,6 @@
   <p:clrMapOvr>
     <a:masterClrMapping/>
   </p:clrMapOvr>
-  <p:timing>
-    <p:tnLst>
-      <p:par>
-        <p:cTn id="1" dur="indefinite" restart="never" nodeType="tmRoot"/>
-      </p:par>
-    </p:tnLst>
-  </p:timing>
 </p:sld>
 </file>
 
@@ -15745,13 +15622,6 @@
   <p:clrMapOvr>
     <a:masterClrMapping/>
   </p:clrMapOvr>
-  <p:timing>
-    <p:tnLst>
-      <p:par>
-        <p:cTn id="1" dur="indefinite" restart="never" nodeType="tmRoot"/>
-      </p:par>
-    </p:tnLst>
-  </p:timing>
 </p:sld>
 </file>
 
@@ -16920,13 +16790,6 @@
   <p:clrMapOvr>
     <a:masterClrMapping/>
   </p:clrMapOvr>
-  <p:timing>
-    <p:tnLst>
-      <p:par>
-        <p:cTn id="1" dur="indefinite" restart="never" nodeType="tmRoot"/>
-      </p:par>
-    </p:tnLst>
-  </p:timing>
 </p:sld>
 </file>
 
@@ -16949,6 +16812,41 @@
       </p:grpSpPr>
       <p:sp>
         <p:nvSpPr>
+          <p:cNvPr id="2" name="Title 1"/>
+          <p:cNvSpPr>
+            <a:spLocks noGrp="1"/>
+          </p:cNvSpPr>
+          <p:nvPr>
+            <p:ph type="title"/>
+          </p:nvPr>
+        </p:nvSpPr>
+        <p:spPr/>
+        <p:txBody>
+          <a:bodyPr>
+            <a:noAutofit/>
+          </a:bodyPr>
+          <a:lstStyle/>
+          <a:p>
+            <a:r>
+              <a:rPr lang="en-US" sz="6000" dirty="0" smtClean="0">
+                <a:solidFill>
+                  <a:schemeClr val="bg1"/>
+                </a:solidFill>
+                <a:latin typeface="Cambria" pitchFamily="18" charset="0"/>
+              </a:rPr>
+              <a:t>Solution</a:t>
+            </a:r>
+            <a:endParaRPr lang="en-US" sz="6000" dirty="0">
+              <a:solidFill>
+                <a:schemeClr val="bg1"/>
+              </a:solidFill>
+              <a:latin typeface="Cambria" pitchFamily="18" charset="0"/>
+            </a:endParaRPr>
+          </a:p>
+        </p:txBody>
+      </p:sp>
+      <p:sp>
+        <p:nvSpPr>
           <p:cNvPr id="4" name="Slide Number Placeholder 3"/>
           <p:cNvSpPr>
             <a:spLocks noGrp="1"/>
@@ -16963,118 +16861,555 @@
           <a:lstStyle/>
           <a:p>
             <a:fld id="{00000000-1234-1234-1234-123412341234}" type="slidenum">
-              <a:rPr lang="en" smtClean="0">
-                <a:solidFill>
-                  <a:srgbClr val="000000"/>
-                </a:solidFill>
-              </a:rPr>
+              <a:rPr lang="en" smtClean="0"/>
               <a:pPr/>
               <a:t>2</a:t>
             </a:fld>
-            <a:endParaRPr lang="en">
-              <a:solidFill>
-                <a:srgbClr val="000000"/>
-              </a:solidFill>
-            </a:endParaRPr>
-          </a:p>
-        </p:txBody>
-      </p:sp>
-      <p:sp>
-        <p:nvSpPr>
-          <p:cNvPr id="2" name="TextBox 1"/>
-          <p:cNvSpPr txBox="1"/>
-          <p:nvPr/>
-        </p:nvSpPr>
-        <p:spPr>
-          <a:xfrm>
-            <a:off x="457200" y="676870"/>
-            <a:ext cx="2685351" cy="923330"/>
-          </a:xfrm>
-          <a:prstGeom prst="rect">
+            <a:endParaRPr lang="en"/>
+          </a:p>
+        </p:txBody>
+      </p:sp>
+      <p:grpSp>
+        <p:nvGrpSpPr>
+          <p:cNvPr id="16" name="Group 15"/>
+          <p:cNvGrpSpPr/>
+          <p:nvPr/>
+        </p:nvGrpSpPr>
+        <p:grpSpPr>
+          <a:xfrm>
+            <a:off x="3236070" y="4580136"/>
+            <a:ext cx="1808508" cy="1522346"/>
+            <a:chOff x="3762294" y="3466888"/>
+            <a:chExt cx="1808508" cy="1522346"/>
+          </a:xfrm>
+        </p:grpSpPr>
+        <p:pic>
+          <p:nvPicPr>
+            <p:cNvPr id="3" name="Picture 2"/>
+            <p:cNvPicPr>
+              <a:picLocks noChangeAspect="1"/>
+            </p:cNvPicPr>
+            <p:nvPr/>
+          </p:nvPicPr>
+          <p:blipFill>
+            <a:blip r:embed="rId3" cstate="print">
+              <a:extLst>
+                <a:ext uri="{28A0092B-C50C-407E-A947-70E740481C1C}">
+                  <a14:useLocalDpi xmlns:a14="http://schemas.microsoft.com/office/drawing/2010/main" val="0"/>
+                </a:ext>
+              </a:extLst>
+            </a:blip>
+            <a:stretch>
+              <a:fillRect/>
+            </a:stretch>
+          </p:blipFill>
+          <p:spPr>
+            <a:xfrm>
+              <a:off x="3787747" y="3466888"/>
+              <a:ext cx="1306902" cy="1306902"/>
+            </a:xfrm>
+            <a:prstGeom prst="rect">
+              <a:avLst/>
+            </a:prstGeom>
+          </p:spPr>
+        </p:pic>
+        <p:sp>
+          <p:nvSpPr>
+            <p:cNvPr id="8" name="TextBox 7"/>
+            <p:cNvSpPr txBox="1"/>
+            <p:nvPr/>
+          </p:nvSpPr>
+          <p:spPr>
+            <a:xfrm>
+              <a:off x="3762294" y="4589124"/>
+              <a:ext cx="1808508" cy="400110"/>
+            </a:xfrm>
+            <a:prstGeom prst="rect">
+              <a:avLst/>
+            </a:prstGeom>
+            <a:noFill/>
+          </p:spPr>
+          <p:txBody>
+            <a:bodyPr wrap="none" rtlCol="0">
+              <a:spAutoFit/>
+            </a:bodyPr>
+            <a:lstStyle/>
+            <a:p>
+              <a:r>
+                <a:rPr lang="en-US" sz="2000" b="1" dirty="0" smtClean="0">
+                  <a:latin typeface="Cambria" panose="02040503050406030204" pitchFamily="18" charset="0"/>
+                </a:rPr>
+                <a:t>Street Router</a:t>
+              </a:r>
+              <a:endParaRPr lang="en-US" sz="2000" b="1" dirty="0">
+                <a:latin typeface="Cambria" panose="02040503050406030204" pitchFamily="18" charset="0"/>
+              </a:endParaRPr>
+            </a:p>
+          </p:txBody>
+        </p:sp>
+      </p:grpSp>
+      <p:grpSp>
+        <p:nvGrpSpPr>
+          <p:cNvPr id="5" name="Group 4"/>
+          <p:cNvGrpSpPr/>
+          <p:nvPr/>
+        </p:nvGrpSpPr>
+        <p:grpSpPr>
+          <a:xfrm>
+            <a:off x="829807" y="4773790"/>
+            <a:ext cx="1458733" cy="1535149"/>
+            <a:chOff x="982207" y="1642667"/>
+            <a:chExt cx="1458733" cy="1535149"/>
+          </a:xfrm>
+        </p:grpSpPr>
+        <p:pic>
+          <p:nvPicPr>
+            <p:cNvPr id="10" name="Picture 2" descr="C:\Users\ngoan\Desktop\image\bus.png"/>
+            <p:cNvPicPr>
+              <a:picLocks noChangeAspect="1" noChangeArrowheads="1"/>
+            </p:cNvPicPr>
+            <p:nvPr/>
+          </p:nvPicPr>
+          <p:blipFill>
+            <a:blip r:embed="rId4">
+              <a:extLst>
+                <a:ext uri="{28A0092B-C50C-407E-A947-70E740481C1C}">
+                  <a14:useLocalDpi xmlns:a14="http://schemas.microsoft.com/office/drawing/2010/main" val="0"/>
+                </a:ext>
+              </a:extLst>
+            </a:blip>
+            <a:srcRect/>
+            <a:stretch>
+              <a:fillRect/>
+            </a:stretch>
+          </p:blipFill>
+          <p:spPr bwMode="auto">
+            <a:xfrm>
+              <a:off x="1046342" y="1642667"/>
+              <a:ext cx="1135039" cy="1135039"/>
+            </a:xfrm>
+            <a:prstGeom prst="rect">
+              <a:avLst/>
+            </a:prstGeom>
+            <a:noFill/>
+            <a:extLst>
+              <a:ext uri="{909E8E84-426E-40DD-AFC4-6F175D3DCCD1}">
+                <a14:hiddenFill xmlns:a14="http://schemas.microsoft.com/office/drawing/2010/main">
+                  <a:solidFill>
+                    <a:srgbClr val="FFFFFF"/>
+                  </a:solidFill>
+                </a14:hiddenFill>
+              </a:ext>
+            </a:extLst>
+          </p:spPr>
+        </p:pic>
+        <p:sp>
+          <p:nvSpPr>
+            <p:cNvPr id="11" name="TextBox 10"/>
+            <p:cNvSpPr txBox="1"/>
+            <p:nvPr/>
+          </p:nvSpPr>
+          <p:spPr>
+            <a:xfrm>
+              <a:off x="982207" y="2777706"/>
+              <a:ext cx="1458733" cy="400110"/>
+            </a:xfrm>
+            <a:prstGeom prst="rect">
+              <a:avLst/>
+            </a:prstGeom>
+            <a:noFill/>
+          </p:spPr>
+          <p:txBody>
+            <a:bodyPr wrap="none" rtlCol="0">
+              <a:spAutoFit/>
+            </a:bodyPr>
+            <a:lstStyle/>
+            <a:p>
+              <a:r>
+                <a:rPr lang="en-US" sz="2000" b="1" dirty="0" smtClean="0">
+                  <a:latin typeface="Cambria" panose="02040503050406030204" pitchFamily="18" charset="0"/>
+                </a:rPr>
+                <a:t>Search bus</a:t>
+              </a:r>
+              <a:endParaRPr lang="en-US" sz="2000" b="1" dirty="0">
+                <a:latin typeface="Cambria" panose="02040503050406030204" pitchFamily="18" charset="0"/>
+              </a:endParaRPr>
+            </a:p>
+          </p:txBody>
+        </p:sp>
+      </p:grpSp>
+      <p:grpSp>
+        <p:nvGrpSpPr>
+          <p:cNvPr id="6" name="Group 5"/>
+          <p:cNvGrpSpPr/>
+          <p:nvPr/>
+        </p:nvGrpSpPr>
+        <p:grpSpPr>
+          <a:xfrm>
+            <a:off x="677681" y="2708031"/>
+            <a:ext cx="1762983" cy="1517713"/>
+            <a:chOff x="3697069" y="1642667"/>
+            <a:chExt cx="1762983" cy="1517713"/>
+          </a:xfrm>
+        </p:grpSpPr>
+        <p:pic>
+          <p:nvPicPr>
+            <p:cNvPr id="9" name="Picture 2" descr="C:\Users\ngoan\Desktop\image\24598-200.png"/>
+            <p:cNvPicPr>
+              <a:picLocks noChangeAspect="1" noChangeArrowheads="1"/>
+            </p:cNvPicPr>
+            <p:nvPr/>
+          </p:nvPicPr>
+          <p:blipFill>
+            <a:blip r:embed="rId5">
+              <a:extLst>
+                <a:ext uri="{28A0092B-C50C-407E-A947-70E740481C1C}">
+                  <a14:useLocalDpi xmlns:a14="http://schemas.microsoft.com/office/drawing/2010/main" val="0"/>
+                </a:ext>
+              </a:extLst>
+            </a:blip>
+            <a:srcRect/>
+            <a:stretch>
+              <a:fillRect/>
+            </a:stretch>
+          </p:blipFill>
+          <p:spPr bwMode="auto">
+            <a:xfrm>
+              <a:off x="3853851" y="1642667"/>
+              <a:ext cx="1135039" cy="1135039"/>
+            </a:xfrm>
+            <a:prstGeom prst="rect">
+              <a:avLst/>
+            </a:prstGeom>
+            <a:noFill/>
+            <a:extLst>
+              <a:ext uri="{909E8E84-426E-40DD-AFC4-6F175D3DCCD1}">
+                <a14:hiddenFill xmlns:a14="http://schemas.microsoft.com/office/drawing/2010/main">
+                  <a:solidFill>
+                    <a:srgbClr val="FFFFFF"/>
+                  </a:solidFill>
+                </a14:hiddenFill>
+              </a:ext>
+            </a:extLst>
+          </p:spPr>
+        </p:pic>
+        <p:sp>
+          <p:nvSpPr>
+            <p:cNvPr id="12" name="TextBox 11"/>
+            <p:cNvSpPr txBox="1"/>
+            <p:nvPr/>
+          </p:nvSpPr>
+          <p:spPr>
+            <a:xfrm>
+              <a:off x="3697069" y="2760270"/>
+              <a:ext cx="1762983" cy="400110"/>
+            </a:xfrm>
+            <a:prstGeom prst="rect">
+              <a:avLst/>
+            </a:prstGeom>
+            <a:noFill/>
+          </p:spPr>
+          <p:txBody>
+            <a:bodyPr wrap="none" rtlCol="0">
+              <a:spAutoFit/>
+            </a:bodyPr>
+            <a:lstStyle/>
+            <a:p>
+              <a:r>
+                <a:rPr lang="en-US" sz="2000" b="1" dirty="0" smtClean="0">
+                  <a:latin typeface="Cambria" panose="02040503050406030204" pitchFamily="18" charset="0"/>
+                </a:rPr>
+                <a:t>Search motor</a:t>
+              </a:r>
+              <a:endParaRPr lang="en-US" sz="2000" b="1" dirty="0">
+                <a:latin typeface="Cambria" panose="02040503050406030204" pitchFamily="18" charset="0"/>
+              </a:endParaRPr>
+            </a:p>
+          </p:txBody>
+        </p:sp>
+      </p:grpSp>
+      <p:grpSp>
+        <p:nvGrpSpPr>
+          <p:cNvPr id="28" name="Group 27"/>
+          <p:cNvGrpSpPr/>
+          <p:nvPr/>
+        </p:nvGrpSpPr>
+        <p:grpSpPr>
+          <a:xfrm>
+            <a:off x="2372666" y="1827800"/>
+            <a:ext cx="2162772" cy="1447750"/>
+            <a:chOff x="6247665" y="1847819"/>
+            <a:chExt cx="2162772" cy="1447750"/>
+          </a:xfrm>
+        </p:grpSpPr>
+        <p:pic>
+          <p:nvPicPr>
+            <p:cNvPr id="29" name="Picture 28"/>
+            <p:cNvPicPr>
+              <a:picLocks noChangeAspect="1"/>
+            </p:cNvPicPr>
+            <p:nvPr/>
+          </p:nvPicPr>
+          <p:blipFill>
+            <a:blip r:embed="rId6" cstate="print">
+              <a:extLst>
+                <a:ext uri="{28A0092B-C50C-407E-A947-70E740481C1C}">
+                  <a14:useLocalDpi xmlns:a14="http://schemas.microsoft.com/office/drawing/2010/main" val="0"/>
+                </a:ext>
+              </a:extLst>
+            </a:blip>
+            <a:stretch>
+              <a:fillRect/>
+            </a:stretch>
+          </p:blipFill>
+          <p:spPr>
+            <a:xfrm>
+              <a:off x="6661359" y="1847819"/>
+              <a:ext cx="1066401" cy="1066401"/>
+            </a:xfrm>
+            <a:prstGeom prst="rect">
+              <a:avLst/>
+            </a:prstGeom>
+          </p:spPr>
+        </p:pic>
+        <p:sp>
+          <p:nvSpPr>
+            <p:cNvPr id="30" name="TextBox 29"/>
+            <p:cNvSpPr txBox="1"/>
+            <p:nvPr/>
+          </p:nvSpPr>
+          <p:spPr>
+            <a:xfrm>
+              <a:off x="6247665" y="2895459"/>
+              <a:ext cx="2162772" cy="400110"/>
+            </a:xfrm>
+            <a:prstGeom prst="rect">
+              <a:avLst/>
+            </a:prstGeom>
+            <a:noFill/>
+          </p:spPr>
+          <p:txBody>
+            <a:bodyPr wrap="none" rtlCol="0">
+              <a:spAutoFit/>
+            </a:bodyPr>
+            <a:lstStyle/>
+            <a:p>
+              <a:r>
+                <a:rPr lang="en-US" sz="2000" b="1" dirty="0" smtClean="0">
+                  <a:latin typeface="Cambria" panose="02040503050406030204" pitchFamily="18" charset="0"/>
+                </a:rPr>
+                <a:t>Detect right way</a:t>
+              </a:r>
+              <a:endParaRPr lang="en-US" sz="2000" b="1" dirty="0">
+                <a:latin typeface="Cambria" panose="02040503050406030204" pitchFamily="18" charset="0"/>
+              </a:endParaRPr>
+            </a:p>
+          </p:txBody>
+        </p:sp>
+      </p:grpSp>
+      <p:grpSp>
+        <p:nvGrpSpPr>
+          <p:cNvPr id="31" name="Group 30"/>
+          <p:cNvGrpSpPr/>
+          <p:nvPr/>
+        </p:nvGrpSpPr>
+        <p:grpSpPr>
+          <a:xfrm>
+            <a:off x="4898490" y="1733890"/>
+            <a:ext cx="1535998" cy="1556199"/>
+            <a:chOff x="927495" y="3581865"/>
+            <a:chExt cx="1535998" cy="1556199"/>
+          </a:xfrm>
+        </p:grpSpPr>
+        <p:pic>
+          <p:nvPicPr>
+            <p:cNvPr id="32" name="Picture 31"/>
+            <p:cNvPicPr>
+              <a:picLocks noChangeAspect="1"/>
+            </p:cNvPicPr>
+            <p:nvPr/>
+          </p:nvPicPr>
+          <p:blipFill>
+            <a:blip r:embed="rId7" cstate="print">
+              <a:extLst>
+                <a:ext uri="{28A0092B-C50C-407E-A947-70E740481C1C}">
+                  <a14:useLocalDpi xmlns:a14="http://schemas.microsoft.com/office/drawing/2010/main" val="0"/>
+                </a:ext>
+              </a:extLst>
+            </a:blip>
+            <a:stretch>
+              <a:fillRect/>
+            </a:stretch>
+          </p:blipFill>
+          <p:spPr>
+            <a:xfrm>
+              <a:off x="982207" y="3581865"/>
+              <a:ext cx="1156089" cy="1156089"/>
+            </a:xfrm>
+            <a:prstGeom prst="rect">
+              <a:avLst/>
+            </a:prstGeom>
+          </p:spPr>
+        </p:pic>
+        <p:sp>
+          <p:nvSpPr>
+            <p:cNvPr id="33" name="TextBox 32"/>
+            <p:cNvSpPr txBox="1"/>
+            <p:nvPr/>
+          </p:nvSpPr>
+          <p:spPr>
+            <a:xfrm>
+              <a:off x="927495" y="4737954"/>
+              <a:ext cx="1535998" cy="400110"/>
+            </a:xfrm>
+            <a:prstGeom prst="rect">
+              <a:avLst/>
+            </a:prstGeom>
+            <a:noFill/>
+          </p:spPr>
+          <p:txBody>
+            <a:bodyPr wrap="none" rtlCol="0">
+              <a:spAutoFit/>
+            </a:bodyPr>
+            <a:lstStyle/>
+            <a:p>
+              <a:r>
+                <a:rPr lang="en-US" sz="2000" b="1" dirty="0" smtClean="0">
+                  <a:latin typeface="Cambria" panose="02040503050406030204" pitchFamily="18" charset="0"/>
+                </a:rPr>
+                <a:t>Map offline</a:t>
+              </a:r>
+              <a:endParaRPr lang="en-US" b="1" dirty="0">
+                <a:latin typeface="Cambria" panose="02040503050406030204" pitchFamily="18" charset="0"/>
+              </a:endParaRPr>
+            </a:p>
+          </p:txBody>
+        </p:sp>
+      </p:grpSp>
+      <p:cxnSp>
+        <p:nvCxnSpPr>
+          <p:cNvPr id="35" name="Straight Arrow Connector 34"/>
+          <p:cNvCxnSpPr/>
+          <p:nvPr/>
+        </p:nvCxnSpPr>
+        <p:spPr>
+          <a:xfrm>
+            <a:off x="4808802" y="5341309"/>
+            <a:ext cx="1896798" cy="0"/>
+          </a:xfrm>
+          <a:prstGeom prst="straightConnector1">
             <a:avLst/>
           </a:prstGeom>
-          <a:noFill/>
-        </p:spPr>
-        <p:txBody>
-          <a:bodyPr wrap="none" rtlCol="0">
-            <a:spAutoFit/>
-          </a:bodyPr>
-          <a:lstStyle/>
-          <a:p>
-            <a:r>
-              <a:rPr lang="vi-VN" sz="5400" dirty="0" smtClean="0">
-                <a:solidFill>
-                  <a:schemeClr val="bg1"/>
-                </a:solidFill>
-                <a:latin typeface="Cambria" pitchFamily="18" charset="0"/>
-              </a:rPr>
-              <a:t>Solution</a:t>
-            </a:r>
-            <a:endParaRPr lang="en-US" sz="5400" dirty="0">
-              <a:solidFill>
-                <a:schemeClr val="bg1"/>
-              </a:solidFill>
-              <a:latin typeface="Cambria" pitchFamily="18" charset="0"/>
-            </a:endParaRPr>
-          </a:p>
-        </p:txBody>
-      </p:sp>
-      <p:sp>
-        <p:nvSpPr>
-          <p:cNvPr id="5" name="TextBox 4"/>
-          <p:cNvSpPr txBox="1"/>
-          <p:nvPr/>
-        </p:nvSpPr>
-        <p:spPr>
-          <a:xfrm>
-            <a:off x="457200" y="2071302"/>
-            <a:ext cx="7772400" cy="830997"/>
-          </a:xfrm>
-          <a:prstGeom prst="rect">
-            <a:avLst/>
-          </a:prstGeom>
-          <a:noFill/>
-        </p:spPr>
-        <p:txBody>
-          <a:bodyPr wrap="square" rtlCol="0">
-            <a:spAutoFit/>
-          </a:bodyPr>
-          <a:lstStyle/>
-          <a:p>
-            <a:r>
-              <a:rPr lang="en-US" sz="2400" dirty="0">
-                <a:latin typeface="Cambria" pitchFamily="18" charset="0"/>
-              </a:rPr>
-              <a:t>Provide application on smart wear. </a:t>
-            </a:r>
-          </a:p>
-          <a:p>
-            <a:r>
-              <a:rPr lang="en-US" sz="2400" dirty="0">
-                <a:latin typeface="Cambria" pitchFamily="18" charset="0"/>
-              </a:rPr>
-              <a:t>Help user view map and see notification.</a:t>
-            </a:r>
-          </a:p>
-        </p:txBody>
-      </p:sp>
+          <a:ln w="28575">
+            <a:solidFill>
+              <a:schemeClr val="tx1"/>
+            </a:solidFill>
+            <a:tailEnd type="triangle"/>
+          </a:ln>
+        </p:spPr>
+        <p:style>
+          <a:lnRef idx="1">
+            <a:schemeClr val="accent1"/>
+          </a:lnRef>
+          <a:fillRef idx="0">
+            <a:schemeClr val="accent1"/>
+          </a:fillRef>
+          <a:effectRef idx="0">
+            <a:schemeClr val="accent1"/>
+          </a:effectRef>
+          <a:fontRef idx="minor">
+            <a:schemeClr val="tx1"/>
+          </a:fontRef>
+        </p:style>
+      </p:cxnSp>
+      <p:grpSp>
+        <p:nvGrpSpPr>
+          <p:cNvPr id="21" name="Group 20"/>
+          <p:cNvGrpSpPr/>
+          <p:nvPr/>
+        </p:nvGrpSpPr>
+        <p:grpSpPr>
+          <a:xfrm>
+            <a:off x="6277120" y="4498311"/>
+            <a:ext cx="2590774" cy="1493720"/>
+            <a:chOff x="4770877" y="5313385"/>
+            <a:chExt cx="2590774" cy="1493720"/>
+          </a:xfrm>
+        </p:grpSpPr>
+        <p:pic>
+          <p:nvPicPr>
+            <p:cNvPr id="22" name="Picture 21"/>
+            <p:cNvPicPr>
+              <a:picLocks noChangeAspect="1"/>
+            </p:cNvPicPr>
+            <p:nvPr/>
+          </p:nvPicPr>
+          <p:blipFill>
+            <a:blip r:embed="rId8" cstate="print">
+              <a:extLst>
+                <a:ext uri="{28A0092B-C50C-407E-A947-70E740481C1C}">
+                  <a14:useLocalDpi xmlns:a14="http://schemas.microsoft.com/office/drawing/2010/main" val="0"/>
+                </a:ext>
+              </a:extLst>
+            </a:blip>
+            <a:stretch>
+              <a:fillRect/>
+            </a:stretch>
+          </p:blipFill>
+          <p:spPr>
+            <a:xfrm>
+              <a:off x="5284987" y="5313385"/>
+              <a:ext cx="1093610" cy="1093610"/>
+            </a:xfrm>
+            <a:prstGeom prst="rect">
+              <a:avLst/>
+            </a:prstGeom>
+          </p:spPr>
+        </p:pic>
+        <p:sp>
+          <p:nvSpPr>
+            <p:cNvPr id="23" name="Rectangle 22"/>
+            <p:cNvSpPr/>
+            <p:nvPr/>
+          </p:nvSpPr>
+          <p:spPr>
+            <a:xfrm>
+              <a:off x="4770877" y="6406995"/>
+              <a:ext cx="2590774" cy="400110"/>
+            </a:xfrm>
+            <a:prstGeom prst="rect">
+              <a:avLst/>
+            </a:prstGeom>
+          </p:spPr>
+          <p:txBody>
+            <a:bodyPr wrap="none">
+              <a:spAutoFit/>
+            </a:bodyPr>
+            <a:lstStyle/>
+            <a:p>
+              <a:r>
+                <a:rPr lang="en-US" sz="2000" b="1" dirty="0" smtClean="0">
+                  <a:latin typeface="Cambria" panose="02040503050406030204" pitchFamily="18" charset="0"/>
+                </a:rPr>
+                <a:t>Support smart wear</a:t>
+              </a:r>
+              <a:endParaRPr lang="en-US" sz="2000" b="1" dirty="0">
+                <a:latin typeface="Cambria" panose="02040503050406030204" pitchFamily="18" charset="0"/>
+              </a:endParaRPr>
+            </a:p>
+          </p:txBody>
+        </p:sp>
+      </p:grpSp>
     </p:spTree>
     <p:extLst>
       <p:ext uri="{BB962C8B-B14F-4D97-AF65-F5344CB8AC3E}">
-        <p14:creationId xmlns:p14="http://schemas.microsoft.com/office/powerpoint/2010/main" val="1441161450"/>
+        <p14:creationId xmlns:p14="http://schemas.microsoft.com/office/powerpoint/2010/main" val="676119873"/>
       </p:ext>
     </p:extLst>
   </p:cSld>
   <p:clrMapOvr>
     <a:masterClrMapping/>
   </p:clrMapOvr>
-  <p:timing>
-    <p:tnLst>
-      <p:par>
-        <p:cTn id="1" dur="indefinite" restart="never" nodeType="tmRoot"/>
-      </p:par>
-    </p:tnLst>
-  </p:timing>
 </p:sld>
 </file>
 
@@ -18286,13 +18621,6 @@
   <p:clrMapOvr>
     <a:masterClrMapping/>
   </p:clrMapOvr>
-  <p:timing>
-    <p:tnLst>
-      <p:par>
-        <p:cTn id="1" dur="indefinite" restart="never" nodeType="tmRoot"/>
-      </p:par>
-    </p:tnLst>
-  </p:timing>
 </p:sld>
 </file>
 
@@ -19504,13 +19832,6 @@
   <p:clrMapOvr>
     <a:masterClrMapping/>
   </p:clrMapOvr>
-  <p:timing>
-    <p:tnLst>
-      <p:par>
-        <p:cTn id="1" dur="indefinite" restart="never" nodeType="tmRoot"/>
-      </p:par>
-    </p:tnLst>
-  </p:timing>
 </p:sld>
 </file>
 
@@ -19658,7 +19979,7 @@
           <p:nvPr/>
         </p:nvPicPr>
         <p:blipFill rotWithShape="1">
-          <a:blip r:embed="rId3">
+          <a:blip r:embed="rId3" cstate="print">
             <a:extLst>
               <a:ext uri="{28A0092B-C50C-407E-A947-70E740481C1C}">
                 <a14:useLocalDpi xmlns:a14="http://schemas.microsoft.com/office/drawing/2010/main" val="0"/>
@@ -19854,13 +20175,6 @@
   <p:clrMapOvr>
     <a:masterClrMapping/>
   </p:clrMapOvr>
-  <p:timing>
-    <p:tnLst>
-      <p:par>
-        <p:cTn id="1" dur="indefinite" restart="never" nodeType="tmRoot"/>
-      </p:par>
-    </p:tnLst>
-  </p:timing>
 </p:sld>
 </file>
 
@@ -20008,7 +20322,7 @@
           <p:nvPr/>
         </p:nvPicPr>
         <p:blipFill rotWithShape="1">
-          <a:blip r:embed="rId3">
+          <a:blip r:embed="rId3" cstate="print">
             <a:extLst>
               <a:ext uri="{28A0092B-C50C-407E-A947-70E740481C1C}">
                 <a14:useLocalDpi xmlns:a14="http://schemas.microsoft.com/office/drawing/2010/main" val="0"/>
@@ -20239,7 +20553,7 @@
           <p:nvPr/>
         </p:nvPicPr>
         <p:blipFill rotWithShape="1">
-          <a:blip r:embed="rId3">
+          <a:blip r:embed="rId3" cstate="print">
             <a:extLst>
               <a:ext uri="{28A0092B-C50C-407E-A947-70E740481C1C}">
                 <a14:useLocalDpi xmlns:a14="http://schemas.microsoft.com/office/drawing/2010/main" val="0"/>
@@ -20709,13 +21023,6 @@
   <p:clrMapOvr>
     <a:masterClrMapping/>
   </p:clrMapOvr>
-  <p:timing>
-    <p:tnLst>
-      <p:par>
-        <p:cTn id="1" dur="indefinite" restart="never" nodeType="tmRoot"/>
-      </p:par>
-    </p:tnLst>
-  </p:timing>
 </p:sld>
 </file>
 
@@ -20863,7 +21170,7 @@
           <p:nvPr/>
         </p:nvPicPr>
         <p:blipFill rotWithShape="1">
-          <a:blip r:embed="rId3">
+          <a:blip r:embed="rId3" cstate="print">
             <a:extLst>
               <a:ext uri="{28A0092B-C50C-407E-A947-70E740481C1C}">
                 <a14:useLocalDpi xmlns:a14="http://schemas.microsoft.com/office/drawing/2010/main" val="0"/>
@@ -21094,7 +21401,7 @@
           <p:nvPr/>
         </p:nvPicPr>
         <p:blipFill rotWithShape="1">
-          <a:blip r:embed="rId3">
+          <a:blip r:embed="rId3" cstate="print">
             <a:extLst>
               <a:ext uri="{28A0092B-C50C-407E-A947-70E740481C1C}">
                 <a14:useLocalDpi xmlns:a14="http://schemas.microsoft.com/office/drawing/2010/main" val="0"/>
@@ -21487,19 +21794,7 @@
                   <a:sym typeface="Arial"/>
                   <a:rtl val="0"/>
                 </a:rPr>
-                <a:t>(10, 10</a:t>
-              </a:r>
-              <a:r>
-                <a:rPr lang="en-US" sz="1500" b="1" kern="0" dirty="0" smtClean="0">
-                  <a:solidFill>
-                    <a:srgbClr val="C00000"/>
-                  </a:solidFill>
-                  <a:latin typeface="Cambria" pitchFamily="18" charset="0"/>
-                  <a:cs typeface="Arial"/>
-                  <a:sym typeface="Arial"/>
-                  <a:rtl val="0"/>
-                </a:rPr>
-                <a:t>)</a:t>
+                <a:t>(10, 10)</a:t>
               </a:r>
               <a:endParaRPr lang="en" sz="1500" b="1" kern="0" dirty="0" smtClean="0">
                 <a:solidFill>
@@ -21632,13 +21927,6 @@
   <p:clrMapOvr>
     <a:masterClrMapping/>
   </p:clrMapOvr>
-  <p:timing>
-    <p:tnLst>
-      <p:par>
-        <p:cTn id="1" dur="indefinite" restart="never" nodeType="tmRoot"/>
-      </p:par>
-    </p:tnLst>
-  </p:timing>
 </p:sld>
 </file>
 
@@ -21786,7 +22074,7 @@
           <p:nvPr/>
         </p:nvPicPr>
         <p:blipFill rotWithShape="1">
-          <a:blip r:embed="rId3">
+          <a:blip r:embed="rId3" cstate="print">
             <a:extLst>
               <a:ext uri="{28A0092B-C50C-407E-A947-70E740481C1C}">
                 <a14:useLocalDpi xmlns:a14="http://schemas.microsoft.com/office/drawing/2010/main" val="0"/>
@@ -22017,7 +22305,7 @@
           <p:nvPr/>
         </p:nvPicPr>
         <p:blipFill rotWithShape="1">
-          <a:blip r:embed="rId3">
+          <a:blip r:embed="rId3" cstate="print">
             <a:extLst>
               <a:ext uri="{28A0092B-C50C-407E-A947-70E740481C1C}">
                 <a14:useLocalDpi xmlns:a14="http://schemas.microsoft.com/office/drawing/2010/main" val="0"/>
@@ -22410,19 +22698,7 @@
                   <a:sym typeface="Arial"/>
                   <a:rtl val="0"/>
                 </a:rPr>
-                <a:t>(10, 10</a:t>
-              </a:r>
-              <a:r>
-                <a:rPr lang="en-US" sz="1500" kern="0" dirty="0" smtClean="0">
-                  <a:solidFill>
-                    <a:schemeClr val="tx1"/>
-                  </a:solidFill>
-                  <a:latin typeface="Cambria" pitchFamily="18" charset="0"/>
-                  <a:cs typeface="Arial"/>
-                  <a:sym typeface="Arial"/>
-                  <a:rtl val="0"/>
-                </a:rPr>
-                <a:t>)</a:t>
+                <a:t>(10, 10)</a:t>
               </a:r>
             </a:p>
             <a:p>
@@ -22582,13 +22858,6 @@
   <p:clrMapOvr>
     <a:masterClrMapping/>
   </p:clrMapOvr>
-  <p:timing>
-    <p:tnLst>
-      <p:par>
-        <p:cTn id="1" dur="indefinite" restart="never" nodeType="tmRoot"/>
-      </p:par>
-    </p:tnLst>
-  </p:timing>
 </p:sld>
 </file>
 
@@ -22736,7 +23005,7 @@
           <p:nvPr/>
         </p:nvPicPr>
         <p:blipFill rotWithShape="1">
-          <a:blip r:embed="rId3">
+          <a:blip r:embed="rId3" cstate="print">
             <a:extLst>
               <a:ext uri="{28A0092B-C50C-407E-A947-70E740481C1C}">
                 <a14:useLocalDpi xmlns:a14="http://schemas.microsoft.com/office/drawing/2010/main" val="0"/>
@@ -22967,7 +23236,7 @@
           <p:nvPr/>
         </p:nvPicPr>
         <p:blipFill rotWithShape="1">
-          <a:blip r:embed="rId3">
+          <a:blip r:embed="rId3" cstate="print">
             <a:extLst>
               <a:ext uri="{28A0092B-C50C-407E-A947-70E740481C1C}">
                 <a14:useLocalDpi xmlns:a14="http://schemas.microsoft.com/office/drawing/2010/main" val="0"/>
@@ -23360,19 +23629,7 @@
                   <a:sym typeface="Arial"/>
                   <a:rtl val="0"/>
                 </a:rPr>
-                <a:t>(10, 10</a:t>
-              </a:r>
-              <a:r>
-                <a:rPr lang="en-US" sz="1500" kern="0" dirty="0" smtClean="0">
-                  <a:solidFill>
-                    <a:schemeClr val="tx1"/>
-                  </a:solidFill>
-                  <a:latin typeface="Cambria" pitchFamily="18" charset="0"/>
-                  <a:cs typeface="Arial"/>
-                  <a:sym typeface="Arial"/>
-                  <a:rtl val="0"/>
-                </a:rPr>
-                <a:t>)</a:t>
+                <a:t>(10, 10)</a:t>
               </a:r>
             </a:p>
             <a:p>
@@ -23559,13 +23816,6 @@
   <p:clrMapOvr>
     <a:masterClrMapping/>
   </p:clrMapOvr>
-  <p:timing>
-    <p:tnLst>
-      <p:par>
-        <p:cTn id="1" dur="indefinite" restart="never" nodeType="tmRoot"/>
-      </p:par>
-    </p:tnLst>
-  </p:timing>
 </p:sld>
 </file>
 
@@ -23713,7 +23963,7 @@
           <p:nvPr/>
         </p:nvPicPr>
         <p:blipFill rotWithShape="1">
-          <a:blip r:embed="rId3">
+          <a:blip r:embed="rId3" cstate="print">
             <a:extLst>
               <a:ext uri="{28A0092B-C50C-407E-A947-70E740481C1C}">
                 <a14:useLocalDpi xmlns:a14="http://schemas.microsoft.com/office/drawing/2010/main" val="0"/>
@@ -23944,7 +24194,7 @@
           <p:nvPr/>
         </p:nvPicPr>
         <p:blipFill rotWithShape="1">
-          <a:blip r:embed="rId3">
+          <a:blip r:embed="rId3" cstate="print">
             <a:extLst>
               <a:ext uri="{28A0092B-C50C-407E-A947-70E740481C1C}">
                 <a14:useLocalDpi xmlns:a14="http://schemas.microsoft.com/office/drawing/2010/main" val="0"/>
@@ -24337,19 +24587,7 @@
                   <a:sym typeface="Arial"/>
                   <a:rtl val="0"/>
                 </a:rPr>
-                <a:t>(10, 10</a:t>
-              </a:r>
-              <a:r>
-                <a:rPr lang="en-US" sz="1500" kern="0" dirty="0" smtClean="0">
-                  <a:solidFill>
-                    <a:schemeClr val="tx1"/>
-                  </a:solidFill>
-                  <a:latin typeface="Cambria" pitchFamily="18" charset="0"/>
-                  <a:cs typeface="Arial"/>
-                  <a:sym typeface="Arial"/>
-                  <a:rtl val="0"/>
-                </a:rPr>
-                <a:t>)</a:t>
+                <a:t>(10, 10)</a:t>
               </a:r>
             </a:p>
             <a:p>
@@ -24571,13 +24809,6 @@
   <p:clrMapOvr>
     <a:masterClrMapping/>
   </p:clrMapOvr>
-  <p:timing>
-    <p:tnLst>
-      <p:par>
-        <p:cTn id="1" dur="indefinite" restart="never" nodeType="tmRoot"/>
-      </p:par>
-    </p:tnLst>
-  </p:timing>
 </p:sld>
 </file>
 
@@ -24725,7 +24956,7 @@
           <p:nvPr/>
         </p:nvPicPr>
         <p:blipFill rotWithShape="1">
-          <a:blip r:embed="rId3">
+          <a:blip r:embed="rId3" cstate="print">
             <a:extLst>
               <a:ext uri="{28A0092B-C50C-407E-A947-70E740481C1C}">
                 <a14:useLocalDpi xmlns:a14="http://schemas.microsoft.com/office/drawing/2010/main" val="0"/>
@@ -24956,7 +25187,7 @@
           <p:nvPr/>
         </p:nvPicPr>
         <p:blipFill rotWithShape="1">
-          <a:blip r:embed="rId3">
+          <a:blip r:embed="rId3" cstate="print">
             <a:extLst>
               <a:ext uri="{28A0092B-C50C-407E-A947-70E740481C1C}">
                 <a14:useLocalDpi xmlns:a14="http://schemas.microsoft.com/office/drawing/2010/main" val="0"/>
@@ -25094,19 +25325,7 @@
                   <a:sym typeface="Arial"/>
                   <a:rtl val="0"/>
                 </a:rPr>
-                <a:t>(10, 10</a:t>
-              </a:r>
-              <a:r>
-                <a:rPr lang="en-US" sz="1500" kern="0" dirty="0" smtClean="0">
-                  <a:solidFill>
-                    <a:schemeClr val="tx1"/>
-                  </a:solidFill>
-                  <a:latin typeface="Cambria" pitchFamily="18" charset="0"/>
-                  <a:cs typeface="Arial"/>
-                  <a:sym typeface="Arial"/>
-                  <a:rtl val="0"/>
-                </a:rPr>
-                <a:t>)</a:t>
+                <a:t>(10, 10)</a:t>
               </a:r>
             </a:p>
             <a:p>
@@ -25480,13 +25699,6 @@
   <p:clrMapOvr>
     <a:masterClrMapping/>
   </p:clrMapOvr>
-  <p:timing>
-    <p:tnLst>
-      <p:par>
-        <p:cTn id="1" dur="indefinite" restart="never" nodeType="tmRoot"/>
-      </p:par>
-    </p:tnLst>
-  </p:timing>
 </p:sld>
 </file>
 
@@ -25634,7 +25846,7 @@
           <p:nvPr/>
         </p:nvPicPr>
         <p:blipFill rotWithShape="1">
-          <a:blip r:embed="rId3">
+          <a:blip r:embed="rId3" cstate="print">
             <a:extLst>
               <a:ext uri="{28A0092B-C50C-407E-A947-70E740481C1C}">
                 <a14:useLocalDpi xmlns:a14="http://schemas.microsoft.com/office/drawing/2010/main" val="0"/>
@@ -25865,7 +26077,7 @@
           <p:nvPr/>
         </p:nvPicPr>
         <p:blipFill rotWithShape="1">
-          <a:blip r:embed="rId3">
+          <a:blip r:embed="rId3" cstate="print">
             <a:extLst>
               <a:ext uri="{28A0092B-C50C-407E-A947-70E740481C1C}">
                 <a14:useLocalDpi xmlns:a14="http://schemas.microsoft.com/office/drawing/2010/main" val="0"/>
@@ -26003,19 +26215,7 @@
                   <a:sym typeface="Arial"/>
                   <a:rtl val="0"/>
                 </a:rPr>
-                <a:t>(10, 10</a:t>
-              </a:r>
-              <a:r>
-                <a:rPr lang="en-US" sz="1500" kern="0" dirty="0" smtClean="0">
-                  <a:solidFill>
-                    <a:schemeClr val="tx1"/>
-                  </a:solidFill>
-                  <a:latin typeface="Cambria" pitchFamily="18" charset="0"/>
-                  <a:cs typeface="Arial"/>
-                  <a:sym typeface="Arial"/>
-                  <a:rtl val="0"/>
-                </a:rPr>
-                <a:t>)</a:t>
+                <a:t>(10, 10)</a:t>
               </a:r>
             </a:p>
             <a:p>
@@ -26427,13 +26627,6 @@
   <p:clrMapOvr>
     <a:masterClrMapping/>
   </p:clrMapOvr>
-  <p:timing>
-    <p:tnLst>
-      <p:par>
-        <p:cTn id="1" dur="indefinite" restart="never" nodeType="tmRoot"/>
-      </p:par>
-    </p:tnLst>
-  </p:timing>
 </p:sld>
 </file>
 
@@ -26714,13 +26907,6 @@
   <p:clrMapOvr>
     <a:masterClrMapping/>
   </p:clrMapOvr>
-  <p:timing>
-    <p:tnLst>
-      <p:par>
-        <p:cTn id="1" dur="indefinite" restart="never" nodeType="tmRoot"/>
-      </p:par>
-    </p:tnLst>
-  </p:timing>
 </p:sld>
 </file>
 
@@ -26974,7 +27160,7 @@
           <p:nvPr/>
         </p:nvPicPr>
         <p:blipFill>
-          <a:blip r:embed="rId4">
+          <a:blip r:embed="rId4" cstate="print">
             <a:extLst>
               <a:ext uri="{28A0092B-C50C-407E-A947-70E740481C1C}">
                 <a14:useLocalDpi xmlns:a14="http://schemas.microsoft.com/office/drawing/2010/main" val="0"/>
@@ -27328,7 +27514,7 @@
           <p:nvPr/>
         </p:nvPicPr>
         <p:blipFill>
-          <a:blip r:embed="rId5">
+          <a:blip r:embed="rId5" cstate="print">
             <a:extLst>
               <a:ext uri="{28A0092B-C50C-407E-A947-70E740481C1C}">
                 <a14:useLocalDpi xmlns:a14="http://schemas.microsoft.com/office/drawing/2010/main" val="0"/>
@@ -27358,7 +27544,7 @@
           <p:nvPr/>
         </p:nvPicPr>
         <p:blipFill rotWithShape="1">
-          <a:blip r:embed="rId6">
+          <a:blip r:embed="rId6" cstate="print">
             <a:extLst>
               <a:ext uri="{28A0092B-C50C-407E-A947-70E740481C1C}">
                 <a14:useLocalDpi xmlns:a14="http://schemas.microsoft.com/office/drawing/2010/main" val="0"/>
@@ -27518,7 +27704,7 @@
           <p:nvPr/>
         </p:nvPicPr>
         <p:blipFill rotWithShape="1">
-          <a:blip r:embed="rId7">
+          <a:blip r:embed="rId7" cstate="print">
             <a:extLst>
               <a:ext uri="{28A0092B-C50C-407E-A947-70E740481C1C}">
                 <a14:useLocalDpi xmlns:a14="http://schemas.microsoft.com/office/drawing/2010/main" val="0"/>
@@ -27593,13 +27779,6 @@
   <p:clrMapOvr>
     <a:masterClrMapping/>
   </p:clrMapOvr>
-  <p:timing>
-    <p:tnLst>
-      <p:par>
-        <p:cTn id="1" dur="indefinite" restart="never" nodeType="tmRoot"/>
-      </p:par>
-    </p:tnLst>
-  </p:timing>
 </p:sld>
 </file>
 
@@ -27853,7 +28032,7 @@
           <p:nvPr/>
         </p:nvPicPr>
         <p:blipFill>
-          <a:blip r:embed="rId4">
+          <a:blip r:embed="rId4" cstate="print">
             <a:extLst>
               <a:ext uri="{28A0092B-C50C-407E-A947-70E740481C1C}">
                 <a14:useLocalDpi xmlns:a14="http://schemas.microsoft.com/office/drawing/2010/main" val="0"/>
@@ -28207,7 +28386,7 @@
           <p:nvPr/>
         </p:nvPicPr>
         <p:blipFill>
-          <a:blip r:embed="rId5">
+          <a:blip r:embed="rId5" cstate="print">
             <a:extLst>
               <a:ext uri="{28A0092B-C50C-407E-A947-70E740481C1C}">
                 <a14:useLocalDpi xmlns:a14="http://schemas.microsoft.com/office/drawing/2010/main" val="0"/>
@@ -28237,7 +28416,7 @@
           <p:nvPr/>
         </p:nvPicPr>
         <p:blipFill rotWithShape="1">
-          <a:blip r:embed="rId6">
+          <a:blip r:embed="rId6" cstate="print">
             <a:extLst>
               <a:ext uri="{28A0092B-C50C-407E-A947-70E740481C1C}">
                 <a14:useLocalDpi xmlns:a14="http://schemas.microsoft.com/office/drawing/2010/main" val="0"/>
@@ -28397,7 +28576,7 @@
           <p:nvPr/>
         </p:nvPicPr>
         <p:blipFill rotWithShape="1">
-          <a:blip r:embed="rId7">
+          <a:blip r:embed="rId7" cstate="print">
             <a:extLst>
               <a:ext uri="{28A0092B-C50C-407E-A947-70E740481C1C}">
                 <a14:useLocalDpi xmlns:a14="http://schemas.microsoft.com/office/drawing/2010/main" val="0"/>
@@ -28590,13 +28769,6 @@
   <p:clrMapOvr>
     <a:masterClrMapping/>
   </p:clrMapOvr>
-  <p:timing>
-    <p:tnLst>
-      <p:par>
-        <p:cTn id="1" dur="indefinite" restart="never" nodeType="tmRoot"/>
-      </p:par>
-    </p:tnLst>
-  </p:timing>
 </p:sld>
 </file>
 
@@ -28915,13 +29087,6 @@
   <p:clrMapOvr>
     <a:masterClrMapping/>
   </p:clrMapOvr>
-  <p:timing>
-    <p:tnLst>
-      <p:par>
-        <p:cTn id="1" dur="indefinite" restart="never" nodeType="tmRoot"/>
-      </p:par>
-    </p:tnLst>
-  </p:timing>
 </p:sld>
 </file>
 
@@ -29386,13 +29551,6 @@
   <p:clrMapOvr>
     <a:masterClrMapping/>
   </p:clrMapOvr>
-  <p:timing>
-    <p:tnLst>
-      <p:par>
-        <p:cTn id="1" dur="indefinite" restart="never" nodeType="tmRoot"/>
-      </p:par>
-    </p:tnLst>
-  </p:timing>
 </p:sld>
 </file>
 
@@ -29978,13 +30136,6 @@
   <p:clrMapOvr>
     <a:masterClrMapping/>
   </p:clrMapOvr>
-  <p:timing>
-    <p:tnLst>
-      <p:par>
-        <p:cTn id="1" dur="indefinite" restart="never" nodeType="tmRoot"/>
-      </p:par>
-    </p:tnLst>
-  </p:timing>
 </p:sld>
 </file>
 
@@ -30664,13 +30815,6 @@
   <p:clrMapOvr>
     <a:masterClrMapping/>
   </p:clrMapOvr>
-  <p:timing>
-    <p:tnLst>
-      <p:par>
-        <p:cTn id="1" dur="indefinite" restart="never" nodeType="tmRoot"/>
-      </p:par>
-    </p:tnLst>
-  </p:timing>
 </p:sld>
 </file>
 
@@ -31145,13 +31289,6 @@
   <p:clrMapOvr>
     <a:masterClrMapping/>
   </p:clrMapOvr>
-  <p:timing>
-    <p:tnLst>
-      <p:par>
-        <p:cTn id="1" dur="indefinite" restart="never" nodeType="tmRoot"/>
-      </p:par>
-    </p:tnLst>
-  </p:timing>
 </p:sld>
 </file>
 
@@ -31562,7 +31699,7 @@
           <p:nvPr/>
         </p:nvPicPr>
         <p:blipFill rotWithShape="1">
-          <a:blip r:embed="rId4">
+          <a:blip r:embed="rId4" cstate="print">
             <a:extLst>
               <a:ext uri="{28A0092B-C50C-407E-A947-70E740481C1C}">
                 <a14:useLocalDpi xmlns:a14="http://schemas.microsoft.com/office/drawing/2010/main" val="0"/>
@@ -31592,13 +31729,6 @@
   <p:clrMapOvr>
     <a:masterClrMapping/>
   </p:clrMapOvr>
-  <p:timing>
-    <p:tnLst>
-      <p:par>
-        <p:cTn id="1" dur="indefinite" restart="never" nodeType="tmRoot"/>
-      </p:par>
-    </p:tnLst>
-  </p:timing>
 </p:sld>
 </file>
 
@@ -32088,7 +32218,7 @@
           <p:nvPr/>
         </p:nvPicPr>
         <p:blipFill rotWithShape="1">
-          <a:blip r:embed="rId4">
+          <a:blip r:embed="rId4" cstate="print">
             <a:extLst>
               <a:ext uri="{28A0092B-C50C-407E-A947-70E740481C1C}">
                 <a14:useLocalDpi xmlns:a14="http://schemas.microsoft.com/office/drawing/2010/main" val="0"/>
@@ -32118,13 +32248,6 @@
   <p:clrMapOvr>
     <a:masterClrMapping/>
   </p:clrMapOvr>
-  <p:timing>
-    <p:tnLst>
-      <p:par>
-        <p:cTn id="1" dur="indefinite" restart="never" nodeType="tmRoot"/>
-      </p:par>
-    </p:tnLst>
-  </p:timing>
 </p:sld>
 </file>
 
